--- a/doc/Final_Presentation_V01.pptx
+++ b/doc/Final_Presentation_V01.pptx
@@ -16,7 +16,7 @@
     <p:handoutMasterId r:id="rId17"/>
   </p:handoutMasterIdLst>
   <p:sldIdLst>
-    <p:sldId id="357" r:id="rId7"/>
+    <p:sldId id="397" r:id="rId7"/>
     <p:sldId id="396" r:id="rId8"/>
     <p:sldId id="371" r:id="rId9"/>
     <p:sldId id="372" r:id="rId10"/>
@@ -1870,6 +1870,358 @@
 
 <file path=ppt/slideLayouts/slideLayout10.xml><?xml version="1.0" encoding="utf-8"?>
 <p:sldLayout xmlns:a="http://schemas.openxmlformats.org/drawingml/2006/main" xmlns:r="http://schemas.openxmlformats.org/officeDocument/2006/relationships" xmlns:p="http://schemas.openxmlformats.org/presentationml/2006/main" preserve="1" userDrawn="1">
+  <p:cSld name="Zwei Inhalte + Text (Hintergrund)">
+    <p:spTree>
+      <p:nvGrpSpPr>
+        <p:cNvPr id="1" name=""/>
+        <p:cNvGrpSpPr/>
+        <p:nvPr/>
+      </p:nvGrpSpPr>
+      <p:grpSpPr>
+        <a:xfrm>
+          <a:off x="0" y="0"/>
+          <a:ext cx="0" cy="0"/>
+          <a:chOff x="0" y="0"/>
+          <a:chExt cx="0" cy="0"/>
+        </a:xfrm>
+      </p:grpSpPr>
+      <p:sp>
+        <p:nvSpPr>
+          <p:cNvPr id="9" name="Rechteck 8"/>
+          <p:cNvSpPr/>
+          <p:nvPr userDrawn="1"/>
+        </p:nvSpPr>
+        <p:spPr bwMode="auto">
+          <a:xfrm>
+            <a:off x="0" y="2477139"/>
+            <a:ext cx="9144000" cy="4380861"/>
+          </a:xfrm>
+          <a:prstGeom prst="rect">
+            <a:avLst/>
+          </a:prstGeom>
+          <a:solidFill>
+            <a:schemeClr val="bg1">
+              <a:lumMod val="95000"/>
+            </a:schemeClr>
+          </a:solidFill>
+          <a:ln w="9525" cap="flat" cmpd="sng" algn="ctr">
+            <a:noFill/>
+            <a:prstDash val="solid"/>
+            <a:round/>
+            <a:headEnd type="none" w="med" len="med"/>
+            <a:tailEnd type="none" w="med" len="med"/>
+          </a:ln>
+          <a:effectLst/>
+        </p:spPr>
+        <p:txBody>
+          <a:bodyPr vert="horz" wrap="square" lIns="91440" tIns="45720" rIns="91440" bIns="45720" numCol="1" rtlCol="0" anchor="t" anchorCtr="0" compatLnSpc="1">
+            <a:prstTxWarp prst="textNoShape">
+              <a:avLst/>
+            </a:prstTxWarp>
+          </a:bodyPr>
+          <a:lstStyle/>
+          <a:p>
+            <a:pPr algn="r" eaLnBrk="0" hangingPunct="0"/>
+            <a:endParaRPr lang="de-DE" sz="1000">
+              <a:latin typeface="Arial" pitchFamily="34" charset="0"/>
+            </a:endParaRPr>
+          </a:p>
+        </p:txBody>
+      </p:sp>
+      <p:sp>
+        <p:nvSpPr>
+          <p:cNvPr id="18" name="Textplatzhalter 7"/>
+          <p:cNvSpPr>
+            <a:spLocks noGrp="1"/>
+          </p:cNvSpPr>
+          <p:nvPr>
+            <p:ph type="body" sz="quarter" idx="13" hasCustomPrompt="1"/>
+          </p:nvPr>
+        </p:nvSpPr>
+        <p:spPr>
+          <a:xfrm>
+            <a:off x="319089" y="1762188"/>
+            <a:ext cx="8508999" cy="714951"/>
+          </a:xfrm>
+          <a:prstGeom prst="rect">
+            <a:avLst/>
+          </a:prstGeom>
+          <a:noFill/>
+          <a:ln w="9525">
+            <a:noFill/>
+            <a:miter lim="800000"/>
+            <a:headEnd/>
+            <a:tailEnd/>
+          </a:ln>
+        </p:spPr>
+        <p:txBody>
+          <a:bodyPr vert="horz" wrap="square" lIns="0" tIns="0" rIns="0" bIns="0" numCol="1" anchor="t" anchorCtr="0" compatLnSpc="1">
+            <a:prstTxWarp prst="textNoShape">
+              <a:avLst/>
+            </a:prstTxWarp>
+          </a:bodyPr>
+          <a:lstStyle>
+            <a:lvl1pPr>
+              <a:lnSpc>
+                <a:spcPct val="114000"/>
+              </a:lnSpc>
+              <a:defRPr lang="de-DE" noProof="0" dirty="0" smtClean="0"/>
+            </a:lvl1pPr>
+          </a:lstStyle>
+          <a:p>
+            <a:pPr lvl="0"/>
+            <a:r>
+              <a:rPr lang="de-DE" noProof="0" dirty="0"/>
+              <a:t>Inhalt durch Klicken bearbeiten</a:t>
+            </a:r>
+          </a:p>
+        </p:txBody>
+      </p:sp>
+      <p:sp>
+        <p:nvSpPr>
+          <p:cNvPr id="7" name="Foliennummernplatzhalter 6"/>
+          <p:cNvSpPr>
+            <a:spLocks noGrp="1"/>
+          </p:cNvSpPr>
+          <p:nvPr>
+            <p:ph type="sldNum" sz="quarter" idx="15"/>
+          </p:nvPr>
+        </p:nvSpPr>
+        <p:spPr/>
+        <p:txBody>
+          <a:bodyPr/>
+          <a:lstStyle/>
+          <a:p>
+            <a:fld id="{CE58CB1E-F828-4F11-99E0-327109AF9DA4}" type="slidenum">
+              <a:rPr lang="de-DE" smtClean="0"/>
+              <a:pPr/>
+              <a:t>‹Nr.›</a:t>
+            </a:fld>
+            <a:endParaRPr lang="de-DE" dirty="0"/>
+          </a:p>
+        </p:txBody>
+      </p:sp>
+      <p:sp>
+        <p:nvSpPr>
+          <p:cNvPr id="12" name="Fußzeilenplatzhalter 11"/>
+          <p:cNvSpPr>
+            <a:spLocks noGrp="1"/>
+          </p:cNvSpPr>
+          <p:nvPr>
+            <p:ph type="ftr" sz="quarter" idx="16"/>
+          </p:nvPr>
+        </p:nvSpPr>
+        <p:spPr>
+          <a:xfrm>
+            <a:off x="311162" y="6473313"/>
+            <a:ext cx="6464280" cy="365125"/>
+          </a:xfrm>
+          <a:prstGeom prst="rect">
+            <a:avLst/>
+          </a:prstGeom>
+        </p:spPr>
+        <p:txBody>
+          <a:bodyPr/>
+          <a:lstStyle>
+            <a:lvl1pPr>
+              <a:defRPr/>
+            </a:lvl1pPr>
+          </a:lstStyle>
+          <a:p>
+            <a:r>
+              <a:rPr lang="de-DE" dirty="0"/>
+              <a:t>Hannes Bohnengel | Final </a:t>
+            </a:r>
+            <a:r>
+              <a:rPr lang="de-DE" dirty="0" err="1"/>
+              <a:t>Presentation</a:t>
+            </a:r>
+            <a:r>
+              <a:rPr lang="de-DE" dirty="0"/>
+              <a:t> </a:t>
+            </a:r>
+            <a:r>
+              <a:rPr lang="de-DE" dirty="0" err="1"/>
+              <a:t>of</a:t>
+            </a:r>
+            <a:r>
+              <a:rPr lang="de-DE" dirty="0"/>
+              <a:t> </a:t>
+            </a:r>
+            <a:r>
+              <a:rPr lang="de-DE" dirty="0" err="1"/>
+              <a:t>Advanced</a:t>
+            </a:r>
+            <a:r>
+              <a:rPr lang="de-DE" dirty="0"/>
+              <a:t> Seminar</a:t>
+            </a:r>
+            <a:endParaRPr lang="en-US" dirty="0"/>
+          </a:p>
+        </p:txBody>
+      </p:sp>
+      <p:sp>
+        <p:nvSpPr>
+          <p:cNvPr id="8" name="Inhaltsplatzhalter 9"/>
+          <p:cNvSpPr>
+            <a:spLocks noGrp="1"/>
+          </p:cNvSpPr>
+          <p:nvPr>
+            <p:ph sz="quarter" idx="18"/>
+          </p:nvPr>
+        </p:nvSpPr>
+        <p:spPr>
+          <a:xfrm>
+            <a:off x="316992" y="2484000"/>
+            <a:ext cx="4242816" cy="3974655"/>
+          </a:xfrm>
+          <a:prstGeom prst="rect">
+            <a:avLst/>
+          </a:prstGeom>
+        </p:spPr>
+        <p:txBody>
+          <a:bodyPr lIns="0" rIns="0"/>
+          <a:lstStyle>
+            <a:lvl1pPr>
+              <a:defRPr lang="de-DE" sz="1600" kern="1200" noProof="0" dirty="0" smtClean="0">
+                <a:solidFill>
+                  <a:schemeClr val="tx1"/>
+                </a:solidFill>
+                <a:latin typeface="+mn-lt"/>
+                <a:ea typeface="+mn-ea"/>
+                <a:cs typeface="+mn-cs"/>
+              </a:defRPr>
+            </a:lvl1pPr>
+            <a:lvl2pPr>
+              <a:defRPr/>
+            </a:lvl2pPr>
+            <a:lvl3pPr>
+              <a:defRPr sz="1600" baseline="0"/>
+            </a:lvl3pPr>
+          </a:lstStyle>
+          <a:p>
+            <a:pPr lvl="0"/>
+            <a:r>
+              <a:rPr lang="de-DE" dirty="0"/>
+              <a:t>Textmasterformate durch Klicken bearbeiten</a:t>
+            </a:r>
+          </a:p>
+          <a:p>
+            <a:pPr lvl="1"/>
+            <a:r>
+              <a:rPr lang="de-DE" dirty="0"/>
+              <a:t>Zweite Ebene</a:t>
+            </a:r>
+          </a:p>
+          <a:p>
+            <a:pPr lvl="2"/>
+            <a:r>
+              <a:rPr lang="de-DE" sz="1600" dirty="0"/>
+              <a:t>Dritte Ebene</a:t>
+            </a:r>
+            <a:endParaRPr lang="de-DE" dirty="0"/>
+          </a:p>
+        </p:txBody>
+      </p:sp>
+      <p:sp>
+        <p:nvSpPr>
+          <p:cNvPr id="11" name="Bildplatzhalter 2"/>
+          <p:cNvSpPr>
+            <a:spLocks noGrp="1"/>
+          </p:cNvSpPr>
+          <p:nvPr>
+            <p:ph type="pic" sz="quarter" idx="14" hasCustomPrompt="1"/>
+          </p:nvPr>
+        </p:nvSpPr>
+        <p:spPr>
+          <a:xfrm>
+            <a:off x="4584192" y="2484120"/>
+            <a:ext cx="4244400" cy="3974400"/>
+          </a:xfrm>
+          <a:prstGeom prst="rect">
+            <a:avLst/>
+          </a:prstGeom>
+        </p:spPr>
+        <p:txBody>
+          <a:bodyPr/>
+          <a:lstStyle>
+            <a:lvl1pPr>
+              <a:lnSpc>
+                <a:spcPct val="114000"/>
+              </a:lnSpc>
+              <a:defRPr/>
+            </a:lvl1pPr>
+          </a:lstStyle>
+          <a:p>
+            <a:endParaRPr lang="de-DE" dirty="0"/>
+          </a:p>
+        </p:txBody>
+      </p:sp>
+      <p:sp>
+        <p:nvSpPr>
+          <p:cNvPr id="10" name="Titel 1"/>
+          <p:cNvSpPr>
+            <a:spLocks noGrp="1"/>
+          </p:cNvSpPr>
+          <p:nvPr>
+            <p:ph type="title" hasCustomPrompt="1"/>
+          </p:nvPr>
+        </p:nvSpPr>
+        <p:spPr>
+          <a:xfrm>
+            <a:off x="319090" y="994334"/>
+            <a:ext cx="8508999" cy="410369"/>
+          </a:xfrm>
+          <a:prstGeom prst="rect">
+            <a:avLst/>
+          </a:prstGeom>
+          <a:noFill/>
+          <a:ln w="9525">
+            <a:noFill/>
+            <a:miter lim="800000"/>
+            <a:headEnd/>
+            <a:tailEnd/>
+          </a:ln>
+        </p:spPr>
+        <p:txBody>
+          <a:bodyPr vert="horz" wrap="square" lIns="0" tIns="0" rIns="0" bIns="0" numCol="1" anchor="t" anchorCtr="0" compatLnSpc="1">
+            <a:prstTxWarp prst="textNoShape">
+              <a:avLst/>
+            </a:prstTxWarp>
+            <a:spAutoFit/>
+          </a:bodyPr>
+          <a:lstStyle>
+            <a:lvl1pPr>
+              <a:lnSpc>
+                <a:spcPts val="3200"/>
+              </a:lnSpc>
+              <a:defRPr lang="de-DE" sz="3000" noProof="0" dirty="0"/>
+            </a:lvl1pPr>
+          </a:lstStyle>
+          <a:p>
+            <a:pPr lvl="0"/>
+            <a:r>
+              <a:rPr lang="de-DE" noProof="0" dirty="0"/>
+              <a:t>Titel durch Klicken bearbeiten</a:t>
+            </a:r>
+          </a:p>
+        </p:txBody>
+      </p:sp>
+    </p:spTree>
+    <p:extLst>
+      <p:ext uri="{BB962C8B-B14F-4D97-AF65-F5344CB8AC3E}">
+        <p14:creationId xmlns:p14="http://schemas.microsoft.com/office/powerpoint/2010/main" val="1111508191"/>
+      </p:ext>
+    </p:extLst>
+  </p:cSld>
+  <p:clrMapOvr>
+    <a:masterClrMapping/>
+  </p:clrMapOvr>
+</p:sldLayout>
+</file>
+
+<file path=ppt/slideLayouts/slideLayout11.xml><?xml version="1.0" encoding="utf-8"?>
+<p:sldLayout xmlns:a="http://schemas.openxmlformats.org/drawingml/2006/main" xmlns:r="http://schemas.openxmlformats.org/officeDocument/2006/relationships" xmlns:p="http://schemas.openxmlformats.org/presentationml/2006/main" preserve="1" userDrawn="1">
   <p:cSld name="große Bilder">
     <p:spTree>
       <p:nvGrpSpPr>
@@ -1968,7 +2320,15 @@
             <p:ph type="ftr" sz="quarter" idx="16"/>
           </p:nvPr>
         </p:nvSpPr>
-        <p:spPr/>
+        <p:spPr>
+          <a:xfrm>
+            <a:off x="311162" y="6473313"/>
+            <a:ext cx="6464280" cy="365125"/>
+          </a:xfrm>
+          <a:prstGeom prst="rect">
+            <a:avLst/>
+          </a:prstGeom>
+        </p:spPr>
         <p:txBody>
           <a:bodyPr/>
           <a:lstStyle>
@@ -2072,7 +2432,7 @@
 </p:sldLayout>
 </file>
 
-<file path=ppt/slideLayouts/slideLayout11.xml><?xml version="1.0" encoding="utf-8"?>
+<file path=ppt/slideLayouts/slideLayout12.xml><?xml version="1.0" encoding="utf-8"?>
 <p:sldLayout xmlns:a="http://schemas.openxmlformats.org/drawingml/2006/main" xmlns:r="http://schemas.openxmlformats.org/officeDocument/2006/relationships" xmlns:p="http://schemas.openxmlformats.org/presentationml/2006/main" preserve="1" userDrawn="1">
   <p:cSld name="Bilder formatfüllend">
     <p:spTree>
@@ -2157,7 +2517,15 @@
             <p:ph type="ftr" sz="quarter" idx="16"/>
           </p:nvPr>
         </p:nvSpPr>
-        <p:spPr/>
+        <p:spPr>
+          <a:xfrm>
+            <a:off x="311162" y="6473313"/>
+            <a:ext cx="6464280" cy="365125"/>
+          </a:xfrm>
+          <a:prstGeom prst="rect">
+            <a:avLst/>
+          </a:prstGeom>
+        </p:spPr>
         <p:txBody>
           <a:bodyPr/>
           <a:lstStyle>
@@ -2261,7 +2629,7 @@
 </p:sldLayout>
 </file>
 
-<file path=ppt/slideLayouts/slideLayout12.xml><?xml version="1.0" encoding="utf-8"?>
+<file path=ppt/slideLayouts/slideLayout13.xml><?xml version="1.0" encoding="utf-8"?>
 <p:sldLayout xmlns:a="http://schemas.openxmlformats.org/drawingml/2006/main" xmlns:r="http://schemas.openxmlformats.org/officeDocument/2006/relationships" xmlns:p="http://schemas.openxmlformats.org/presentationml/2006/main" preserve="1" userDrawn="1">
   <p:cSld name="Kapiteltrenner">
     <p:spTree>
@@ -2410,7 +2778,7 @@
 </p:sldLayout>
 </file>
 
-<file path=ppt/slideLayouts/slideLayout13.xml><?xml version="1.0" encoding="utf-8"?>
+<file path=ppt/slideLayouts/slideLayout14.xml><?xml version="1.0" encoding="utf-8"?>
 <p:sldLayout xmlns:a="http://schemas.openxmlformats.org/drawingml/2006/main" xmlns:r="http://schemas.openxmlformats.org/officeDocument/2006/relationships" xmlns:p="http://schemas.openxmlformats.org/presentationml/2006/main" preserve="1" userDrawn="1">
   <p:cSld name="Kapiteltrenner">
     <p:spTree>
@@ -2786,7 +3154,7 @@
 
 <file path=ppt/slideLayouts/slideLayout3.xml><?xml version="1.0" encoding="utf-8"?>
 <p:sldLayout xmlns:a="http://schemas.openxmlformats.org/drawingml/2006/main" xmlns:r="http://schemas.openxmlformats.org/officeDocument/2006/relationships" xmlns:p="http://schemas.openxmlformats.org/presentationml/2006/main" preserve="1" userDrawn="1">
-  <p:cSld name="Start">
+  <p:cSld name="Titelseite">
     <p:spTree>
       <p:nvGrpSpPr>
         <p:cNvPr id="1" name=""/>
@@ -2953,52 +3321,231 @@
       </p:sp>
       <p:sp>
         <p:nvSpPr>
-          <p:cNvPr id="8" name="Fußzeilenplatzhalter 7"/>
+          <p:cNvPr id="7" name="Titel 1"/>
           <p:cNvSpPr>
             <a:spLocks noGrp="1"/>
           </p:cNvSpPr>
           <p:nvPr>
-            <p:ph type="ftr" sz="quarter" idx="12"/>
+            <p:ph type="title" hasCustomPrompt="1"/>
+          </p:nvPr>
+        </p:nvSpPr>
+        <p:spPr>
+          <a:xfrm>
+            <a:off x="319090" y="994334"/>
+            <a:ext cx="8508999" cy="410369"/>
+          </a:xfrm>
+          <a:prstGeom prst="rect">
+            <a:avLst/>
+          </a:prstGeom>
+          <a:noFill/>
+          <a:ln w="9525">
+            <a:noFill/>
+            <a:miter lim="800000"/>
+            <a:headEnd/>
+            <a:tailEnd/>
+          </a:ln>
+        </p:spPr>
+        <p:txBody>
+          <a:bodyPr vert="horz" wrap="square" lIns="0" tIns="0" rIns="0" bIns="0" numCol="1" anchor="t" anchorCtr="0" compatLnSpc="1">
+            <a:prstTxWarp prst="textNoShape">
+              <a:avLst/>
+            </a:prstTxWarp>
+            <a:spAutoFit/>
+          </a:bodyPr>
+          <a:lstStyle>
+            <a:lvl1pPr>
+              <a:lnSpc>
+                <a:spcPts val="3200"/>
+              </a:lnSpc>
+              <a:defRPr lang="de-DE" sz="3000" noProof="0" dirty="0"/>
+            </a:lvl1pPr>
+          </a:lstStyle>
+          <a:p>
+            <a:pPr lvl="0"/>
+            <a:r>
+              <a:rPr lang="de-DE" noProof="0" dirty="0"/>
+              <a:t>Titel durch Klicken bearbeiten</a:t>
+            </a:r>
+          </a:p>
+        </p:txBody>
+      </p:sp>
+    </p:spTree>
+    <p:extLst>
+      <p:ext uri="{BB962C8B-B14F-4D97-AF65-F5344CB8AC3E}">
+        <p14:creationId xmlns:p14="http://schemas.microsoft.com/office/powerpoint/2010/main" val="3532772982"/>
+      </p:ext>
+    </p:extLst>
+  </p:cSld>
+  <p:clrMapOvr>
+    <a:masterClrMapping/>
+  </p:clrMapOvr>
+</p:sldLayout>
+</file>
+
+<file path=ppt/slideLayouts/slideLayout4.xml><?xml version="1.0" encoding="utf-8"?>
+<p:sldLayout xmlns:a="http://schemas.openxmlformats.org/drawingml/2006/main" xmlns:r="http://schemas.openxmlformats.org/officeDocument/2006/relationships" xmlns:p="http://schemas.openxmlformats.org/presentationml/2006/main" preserve="1" userDrawn="1">
+  <p:cSld name="Folien">
+    <p:spTree>
+      <p:nvGrpSpPr>
+        <p:cNvPr id="1" name=""/>
+        <p:cNvGrpSpPr/>
+        <p:nvPr/>
+      </p:nvGrpSpPr>
+      <p:grpSpPr>
+        <a:xfrm>
+          <a:off x="0" y="0"/>
+          <a:ext cx="0" cy="0"/>
+          <a:chOff x="0" y="0"/>
+          <a:chExt cx="0" cy="0"/>
+        </a:xfrm>
+      </p:grpSpPr>
+      <p:sp>
+        <p:nvSpPr>
+          <p:cNvPr id="16" name="Inhaltsplatzhalter 2"/>
+          <p:cNvSpPr>
+            <a:spLocks noGrp="1"/>
+          </p:cNvSpPr>
+          <p:nvPr>
+            <p:ph idx="10" hasCustomPrompt="1"/>
+          </p:nvPr>
+        </p:nvSpPr>
+        <p:spPr>
+          <a:xfrm>
+            <a:off x="319088" y="1978720"/>
+            <a:ext cx="8508999" cy="1274125"/>
+          </a:xfrm>
+          <a:prstGeom prst="rect">
+            <a:avLst/>
+          </a:prstGeom>
+          <a:noFill/>
+          <a:ln w="9525">
+            <a:noFill/>
+            <a:miter lim="800000"/>
+            <a:headEnd/>
+            <a:tailEnd/>
+          </a:ln>
+        </p:spPr>
+        <p:txBody>
+          <a:bodyPr vert="horz" wrap="square" lIns="0" tIns="0" rIns="0" bIns="0" numCol="1" anchor="t" anchorCtr="0" compatLnSpc="1">
+            <a:prstTxWarp prst="textNoShape">
+              <a:avLst/>
+            </a:prstTxWarp>
+          </a:bodyPr>
+          <a:lstStyle>
+            <a:lvl1pPr>
+              <a:lnSpc>
+                <a:spcPct val="150000"/>
+              </a:lnSpc>
+              <a:defRPr lang="de-DE" sz="1600" baseline="0" noProof="0" dirty="0" smtClean="0">
+                <a:solidFill>
+                  <a:srgbClr val="000000"/>
+                </a:solidFill>
+              </a:defRPr>
+            </a:lvl1pPr>
+            <a:lvl2pPr>
+              <a:defRPr lang="de-DE" noProof="0" dirty="0" smtClean="0"/>
+            </a:lvl2pPr>
+          </a:lstStyle>
+          <a:p>
+            <a:pPr lvl="0"/>
+            <a:r>
+              <a:rPr lang="de-DE" noProof="0" dirty="0"/>
+              <a:t>Referent</a:t>
+            </a:r>
+            <a:br>
+              <a:rPr lang="de-DE" noProof="0" dirty="0"/>
+            </a:br>
+            <a:r>
+              <a:rPr lang="de-DE" noProof="0" dirty="0"/>
+              <a:t>Ort, Datum (Schreibweise: 00. Januar 2015)</a:t>
+            </a:r>
+          </a:p>
+        </p:txBody>
+      </p:sp>
+      <p:sp>
+        <p:nvSpPr>
+          <p:cNvPr id="14" name="Rechteck 13"/>
+          <p:cNvSpPr/>
+          <p:nvPr userDrawn="1"/>
+        </p:nvSpPr>
+        <p:spPr bwMode="auto">
+          <a:xfrm>
+            <a:off x="8347635" y="6408271"/>
+            <a:ext cx="575236" cy="358588"/>
+          </a:xfrm>
+          <a:prstGeom prst="rect">
+            <a:avLst/>
+          </a:prstGeom>
+          <a:solidFill>
+            <a:schemeClr val="bg1"/>
+          </a:solidFill>
+          <a:ln w="9525" cap="flat" cmpd="sng" algn="ctr">
+            <a:noFill/>
+            <a:prstDash val="solid"/>
+            <a:round/>
+            <a:headEnd type="none" w="med" len="med"/>
+            <a:tailEnd type="none" w="med" len="med"/>
+          </a:ln>
+          <a:effectLst/>
+        </p:spPr>
+        <p:txBody>
+          <a:bodyPr vert="horz" wrap="square" lIns="91440" tIns="45720" rIns="91440" bIns="45720" numCol="1" rtlCol="0" anchor="t" anchorCtr="0" compatLnSpc="1">
+            <a:prstTxWarp prst="textNoShape">
+              <a:avLst/>
+            </a:prstTxWarp>
+          </a:bodyPr>
+          <a:lstStyle/>
+          <a:p>
+            <a:pPr marL="0" marR="0" indent="0" algn="r" defTabSz="914400" rtl="0" eaLnBrk="0" fontAlgn="base" latinLnBrk="0" hangingPunct="0">
+              <a:lnSpc>
+                <a:spcPct val="100000"/>
+              </a:lnSpc>
+              <a:spcBef>
+                <a:spcPct val="0"/>
+              </a:spcBef>
+              <a:spcAft>
+                <a:spcPct val="0"/>
+              </a:spcAft>
+              <a:buClrTx/>
+              <a:buSzTx/>
+              <a:buFontTx/>
+              <a:buNone/>
+              <a:tabLst/>
+            </a:pPr>
+            <a:endParaRPr kumimoji="0" lang="de-DE" sz="2000" b="0" i="0" u="none" strike="noStrike" cap="none" normalizeH="0" baseline="0">
+              <a:ln>
+                <a:noFill/>
+              </a:ln>
+              <a:solidFill>
+                <a:schemeClr val="tx1"/>
+              </a:solidFill>
+              <a:effectLst/>
+              <a:latin typeface="Arial" pitchFamily="34" charset="0"/>
+            </a:endParaRPr>
+          </a:p>
+        </p:txBody>
+      </p:sp>
+      <p:sp>
+        <p:nvSpPr>
+          <p:cNvPr id="6" name="Foliennummernplatzhalter 5"/>
+          <p:cNvSpPr>
+            <a:spLocks noGrp="1"/>
+          </p:cNvSpPr>
+          <p:nvPr>
+            <p:ph type="sldNum" sz="quarter" idx="11"/>
           </p:nvPr>
         </p:nvSpPr>
         <p:spPr/>
         <p:txBody>
           <a:bodyPr/>
-          <a:lstStyle>
-            <a:lvl1pPr>
-              <a:defRPr/>
-            </a:lvl1pPr>
-          </a:lstStyle>
-          <a:p>
-            <a:r>
-              <a:rPr lang="de-DE" dirty="0"/>
-              <a:t>Hannes Bohnengel | Final </a:t>
-            </a:r>
-            <a:r>
-              <a:rPr lang="de-DE" dirty="0" err="1"/>
-              <a:t>Presentation</a:t>
-            </a:r>
-            <a:r>
-              <a:rPr lang="de-DE" dirty="0"/>
-              <a:t> </a:t>
-            </a:r>
-            <a:r>
-              <a:rPr lang="de-DE" dirty="0" err="1"/>
-              <a:t>of</a:t>
-            </a:r>
-            <a:r>
-              <a:rPr lang="de-DE" dirty="0"/>
-              <a:t> </a:t>
-            </a:r>
-            <a:r>
-              <a:rPr lang="de-DE" dirty="0" err="1"/>
-              <a:t>Advanced</a:t>
-            </a:r>
-            <a:r>
-              <a:rPr lang="de-DE" dirty="0"/>
-              <a:t> Seminar</a:t>
-            </a:r>
-            <a:endParaRPr lang="en-US" dirty="0"/>
+          <a:lstStyle/>
+          <a:p>
+            <a:fld id="{CE58CB1E-F828-4F11-99E0-327109AF9DA4}" type="slidenum">
+              <a:rPr lang="de-DE" smtClean="0"/>
+              <a:pPr/>
+              <a:t>‹Nr.›</a:t>
+            </a:fld>
+            <a:endParaRPr lang="de-DE" dirty="0"/>
           </a:p>
         </p:txBody>
       </p:sp>
@@ -3052,6 +3599,329 @@
           </a:p>
         </p:txBody>
       </p:sp>
+      <p:sp>
+        <p:nvSpPr>
+          <p:cNvPr id="10" name="Fußzeilenplatzhalter 3">
+            <a:extLst>
+              <a:ext uri="{FF2B5EF4-FFF2-40B4-BE49-F238E27FC236}">
+                <a16:creationId xmlns:a16="http://schemas.microsoft.com/office/drawing/2014/main" id="{A3795AF6-DD72-44CD-8BE0-CF32C11D6FB6}"/>
+              </a:ext>
+            </a:extLst>
+          </p:cNvPr>
+          <p:cNvSpPr txBox="1">
+            <a:spLocks/>
+          </p:cNvSpPr>
+          <p:nvPr userDrawn="1"/>
+        </p:nvSpPr>
+        <p:spPr>
+          <a:xfrm>
+            <a:off x="3048000" y="6473312"/>
+            <a:ext cx="3048000" cy="365125"/>
+          </a:xfrm>
+          <a:prstGeom prst="rect">
+            <a:avLst/>
+          </a:prstGeom>
+        </p:spPr>
+        <p:txBody>
+          <a:bodyPr vert="horz" lIns="0" tIns="45720" rIns="0" bIns="45720" rtlCol="0" anchor="ctr"/>
+          <a:lstStyle>
+            <a:defPPr>
+              <a:defRPr lang="de-DE"/>
+            </a:defPPr>
+            <a:lvl1pPr algn="l" rtl="0" fontAlgn="base">
+              <a:spcBef>
+                <a:spcPct val="0"/>
+              </a:spcBef>
+              <a:spcAft>
+                <a:spcPct val="0"/>
+              </a:spcAft>
+              <a:defRPr sz="1200" kern="1200">
+                <a:solidFill>
+                  <a:schemeClr val="tx1"/>
+                </a:solidFill>
+                <a:latin typeface="Arial" charset="0"/>
+                <a:ea typeface="+mn-ea"/>
+                <a:cs typeface="Arial" charset="0"/>
+              </a:defRPr>
+            </a:lvl1pPr>
+            <a:lvl2pPr marL="457200" algn="l" rtl="0" fontAlgn="base">
+              <a:spcBef>
+                <a:spcPct val="0"/>
+              </a:spcBef>
+              <a:spcAft>
+                <a:spcPct val="0"/>
+              </a:spcAft>
+              <a:defRPr kern="1200">
+                <a:solidFill>
+                  <a:schemeClr val="tx1"/>
+                </a:solidFill>
+                <a:latin typeface="Arial" charset="0"/>
+                <a:ea typeface="+mn-ea"/>
+                <a:cs typeface="Arial" charset="0"/>
+              </a:defRPr>
+            </a:lvl2pPr>
+            <a:lvl3pPr marL="914400" algn="l" rtl="0" fontAlgn="base">
+              <a:spcBef>
+                <a:spcPct val="0"/>
+              </a:spcBef>
+              <a:spcAft>
+                <a:spcPct val="0"/>
+              </a:spcAft>
+              <a:defRPr kern="1200">
+                <a:solidFill>
+                  <a:schemeClr val="tx1"/>
+                </a:solidFill>
+                <a:latin typeface="Arial" charset="0"/>
+                <a:ea typeface="+mn-ea"/>
+                <a:cs typeface="Arial" charset="0"/>
+              </a:defRPr>
+            </a:lvl3pPr>
+            <a:lvl4pPr marL="1371600" algn="l" rtl="0" fontAlgn="base">
+              <a:spcBef>
+                <a:spcPct val="0"/>
+              </a:spcBef>
+              <a:spcAft>
+                <a:spcPct val="0"/>
+              </a:spcAft>
+              <a:defRPr kern="1200">
+                <a:solidFill>
+                  <a:schemeClr val="tx1"/>
+                </a:solidFill>
+                <a:latin typeface="Arial" charset="0"/>
+                <a:ea typeface="+mn-ea"/>
+                <a:cs typeface="Arial" charset="0"/>
+              </a:defRPr>
+            </a:lvl4pPr>
+            <a:lvl5pPr marL="1828800" algn="l" rtl="0" fontAlgn="base">
+              <a:spcBef>
+                <a:spcPct val="0"/>
+              </a:spcBef>
+              <a:spcAft>
+                <a:spcPct val="0"/>
+              </a:spcAft>
+              <a:defRPr kern="1200">
+                <a:solidFill>
+                  <a:schemeClr val="tx1"/>
+                </a:solidFill>
+                <a:latin typeface="Arial" charset="0"/>
+                <a:ea typeface="+mn-ea"/>
+                <a:cs typeface="Arial" charset="0"/>
+              </a:defRPr>
+            </a:lvl5pPr>
+            <a:lvl6pPr marL="2286000" algn="l" defTabSz="914400" rtl="0" eaLnBrk="1" latinLnBrk="0" hangingPunct="1">
+              <a:defRPr kern="1200">
+                <a:solidFill>
+                  <a:schemeClr val="tx1"/>
+                </a:solidFill>
+                <a:latin typeface="Arial" charset="0"/>
+                <a:ea typeface="+mn-ea"/>
+                <a:cs typeface="Arial" charset="0"/>
+              </a:defRPr>
+            </a:lvl6pPr>
+            <a:lvl7pPr marL="2743200" algn="l" defTabSz="914400" rtl="0" eaLnBrk="1" latinLnBrk="0" hangingPunct="1">
+              <a:defRPr kern="1200">
+                <a:solidFill>
+                  <a:schemeClr val="tx1"/>
+                </a:solidFill>
+                <a:latin typeface="Arial" charset="0"/>
+                <a:ea typeface="+mn-ea"/>
+                <a:cs typeface="Arial" charset="0"/>
+              </a:defRPr>
+            </a:lvl7pPr>
+            <a:lvl8pPr marL="3200400" algn="l" defTabSz="914400" rtl="0" eaLnBrk="1" latinLnBrk="0" hangingPunct="1">
+              <a:defRPr kern="1200">
+                <a:solidFill>
+                  <a:schemeClr val="tx1"/>
+                </a:solidFill>
+                <a:latin typeface="Arial" charset="0"/>
+                <a:ea typeface="+mn-ea"/>
+                <a:cs typeface="Arial" charset="0"/>
+              </a:defRPr>
+            </a:lvl8pPr>
+            <a:lvl9pPr marL="3657600" algn="l" defTabSz="914400" rtl="0" eaLnBrk="1" latinLnBrk="0" hangingPunct="1">
+              <a:defRPr kern="1200">
+                <a:solidFill>
+                  <a:schemeClr val="tx1"/>
+                </a:solidFill>
+                <a:latin typeface="Arial" charset="0"/>
+                <a:ea typeface="+mn-ea"/>
+                <a:cs typeface="Arial" charset="0"/>
+              </a:defRPr>
+            </a:lvl9pPr>
+          </a:lstStyle>
+          <a:p>
+            <a:pPr algn="ctr"/>
+            <a:r>
+              <a:rPr lang="en-US" dirty="0"/>
+              <a:t>Final Presentation of Advanced Seminar</a:t>
+            </a:r>
+          </a:p>
+        </p:txBody>
+      </p:sp>
+      <p:sp>
+        <p:nvSpPr>
+          <p:cNvPr id="11" name="Fußzeilenplatzhalter 3">
+            <a:extLst>
+              <a:ext uri="{FF2B5EF4-FFF2-40B4-BE49-F238E27FC236}">
+                <a16:creationId xmlns:a16="http://schemas.microsoft.com/office/drawing/2014/main" id="{D6D82D74-E15D-4541-BDA8-EC24361506F2}"/>
+              </a:ext>
+            </a:extLst>
+          </p:cNvPr>
+          <p:cNvSpPr txBox="1">
+            <a:spLocks/>
+          </p:cNvSpPr>
+          <p:nvPr userDrawn="1"/>
+        </p:nvSpPr>
+        <p:spPr>
+          <a:xfrm>
+            <a:off x="319088" y="6473312"/>
+            <a:ext cx="1451655" cy="365125"/>
+          </a:xfrm>
+          <a:prstGeom prst="rect">
+            <a:avLst/>
+          </a:prstGeom>
+        </p:spPr>
+        <p:txBody>
+          <a:bodyPr vert="horz" lIns="0" tIns="45720" rIns="0" bIns="45720" rtlCol="0" anchor="ctr"/>
+          <a:lstStyle>
+            <a:defPPr>
+              <a:defRPr lang="de-DE"/>
+            </a:defPPr>
+            <a:lvl1pPr algn="l" rtl="0" fontAlgn="base">
+              <a:spcBef>
+                <a:spcPct val="0"/>
+              </a:spcBef>
+              <a:spcAft>
+                <a:spcPct val="0"/>
+              </a:spcAft>
+              <a:defRPr sz="1200" kern="1200">
+                <a:solidFill>
+                  <a:schemeClr val="tx1"/>
+                </a:solidFill>
+                <a:latin typeface="Arial" charset="0"/>
+                <a:ea typeface="+mn-ea"/>
+                <a:cs typeface="Arial" charset="0"/>
+              </a:defRPr>
+            </a:lvl1pPr>
+            <a:lvl2pPr marL="457200" algn="l" rtl="0" fontAlgn="base">
+              <a:spcBef>
+                <a:spcPct val="0"/>
+              </a:spcBef>
+              <a:spcAft>
+                <a:spcPct val="0"/>
+              </a:spcAft>
+              <a:defRPr kern="1200">
+                <a:solidFill>
+                  <a:schemeClr val="tx1"/>
+                </a:solidFill>
+                <a:latin typeface="Arial" charset="0"/>
+                <a:ea typeface="+mn-ea"/>
+                <a:cs typeface="Arial" charset="0"/>
+              </a:defRPr>
+            </a:lvl2pPr>
+            <a:lvl3pPr marL="914400" algn="l" rtl="0" fontAlgn="base">
+              <a:spcBef>
+                <a:spcPct val="0"/>
+              </a:spcBef>
+              <a:spcAft>
+                <a:spcPct val="0"/>
+              </a:spcAft>
+              <a:defRPr kern="1200">
+                <a:solidFill>
+                  <a:schemeClr val="tx1"/>
+                </a:solidFill>
+                <a:latin typeface="Arial" charset="0"/>
+                <a:ea typeface="+mn-ea"/>
+                <a:cs typeface="Arial" charset="0"/>
+              </a:defRPr>
+            </a:lvl3pPr>
+            <a:lvl4pPr marL="1371600" algn="l" rtl="0" fontAlgn="base">
+              <a:spcBef>
+                <a:spcPct val="0"/>
+              </a:spcBef>
+              <a:spcAft>
+                <a:spcPct val="0"/>
+              </a:spcAft>
+              <a:defRPr kern="1200">
+                <a:solidFill>
+                  <a:schemeClr val="tx1"/>
+                </a:solidFill>
+                <a:latin typeface="Arial" charset="0"/>
+                <a:ea typeface="+mn-ea"/>
+                <a:cs typeface="Arial" charset="0"/>
+              </a:defRPr>
+            </a:lvl4pPr>
+            <a:lvl5pPr marL="1828800" algn="l" rtl="0" fontAlgn="base">
+              <a:spcBef>
+                <a:spcPct val="0"/>
+              </a:spcBef>
+              <a:spcAft>
+                <a:spcPct val="0"/>
+              </a:spcAft>
+              <a:defRPr kern="1200">
+                <a:solidFill>
+                  <a:schemeClr val="tx1"/>
+                </a:solidFill>
+                <a:latin typeface="Arial" charset="0"/>
+                <a:ea typeface="+mn-ea"/>
+                <a:cs typeface="Arial" charset="0"/>
+              </a:defRPr>
+            </a:lvl5pPr>
+            <a:lvl6pPr marL="2286000" algn="l" defTabSz="914400" rtl="0" eaLnBrk="1" latinLnBrk="0" hangingPunct="1">
+              <a:defRPr kern="1200">
+                <a:solidFill>
+                  <a:schemeClr val="tx1"/>
+                </a:solidFill>
+                <a:latin typeface="Arial" charset="0"/>
+                <a:ea typeface="+mn-ea"/>
+                <a:cs typeface="Arial" charset="0"/>
+              </a:defRPr>
+            </a:lvl6pPr>
+            <a:lvl7pPr marL="2743200" algn="l" defTabSz="914400" rtl="0" eaLnBrk="1" latinLnBrk="0" hangingPunct="1">
+              <a:defRPr kern="1200">
+                <a:solidFill>
+                  <a:schemeClr val="tx1"/>
+                </a:solidFill>
+                <a:latin typeface="Arial" charset="0"/>
+                <a:ea typeface="+mn-ea"/>
+                <a:cs typeface="Arial" charset="0"/>
+              </a:defRPr>
+            </a:lvl7pPr>
+            <a:lvl8pPr marL="3200400" algn="l" defTabSz="914400" rtl="0" eaLnBrk="1" latinLnBrk="0" hangingPunct="1">
+              <a:defRPr kern="1200">
+                <a:solidFill>
+                  <a:schemeClr val="tx1"/>
+                </a:solidFill>
+                <a:latin typeface="Arial" charset="0"/>
+                <a:ea typeface="+mn-ea"/>
+                <a:cs typeface="Arial" charset="0"/>
+              </a:defRPr>
+            </a:lvl8pPr>
+            <a:lvl9pPr marL="3657600" algn="l" defTabSz="914400" rtl="0" eaLnBrk="1" latinLnBrk="0" hangingPunct="1">
+              <a:defRPr kern="1200">
+                <a:solidFill>
+                  <a:schemeClr val="tx1"/>
+                </a:solidFill>
+                <a:latin typeface="Arial" charset="0"/>
+                <a:ea typeface="+mn-ea"/>
+                <a:cs typeface="Arial" charset="0"/>
+              </a:defRPr>
+            </a:lvl9pPr>
+          </a:lstStyle>
+          <a:p>
+            <a:pPr algn="l"/>
+            <a:r>
+              <a:rPr lang="en-US" dirty="0"/>
+              <a:t>Hannes </a:t>
+            </a:r>
+            <a:r>
+              <a:rPr lang="en-US" dirty="0" err="1"/>
+              <a:t>Bohnengel</a:t>
+            </a:r>
+            <a:endParaRPr lang="en-US" dirty="0"/>
+          </a:p>
+        </p:txBody>
+      </p:sp>
     </p:spTree>
     <p:extLst>
       <p:ext uri="{BB962C8B-B14F-4D97-AF65-F5344CB8AC3E}">
@@ -3065,7 +3935,7 @@
 </p:sldLayout>
 </file>
 
-<file path=ppt/slideLayouts/slideLayout4.xml><?xml version="1.0" encoding="utf-8"?>
+<file path=ppt/slideLayouts/slideLayout5.xml><?xml version="1.0" encoding="utf-8"?>
 <p:sldLayout xmlns:a="http://schemas.openxmlformats.org/drawingml/2006/main" xmlns:r="http://schemas.openxmlformats.org/officeDocument/2006/relationships" xmlns:p="http://schemas.openxmlformats.org/presentationml/2006/main" preserve="1" userDrawn="1">
   <p:cSld name="Start">
     <p:spTree>
@@ -3238,7 +4108,15 @@
             <p:ph type="ftr" sz="quarter" idx="13"/>
           </p:nvPr>
         </p:nvSpPr>
-        <p:spPr/>
+        <p:spPr>
+          <a:xfrm>
+            <a:off x="311162" y="6473313"/>
+            <a:ext cx="6464280" cy="365125"/>
+          </a:xfrm>
+          <a:prstGeom prst="rect">
+            <a:avLst/>
+          </a:prstGeom>
+        </p:spPr>
         <p:txBody>
           <a:bodyPr/>
           <a:lstStyle>
@@ -3428,7 +4306,7 @@
 </p:sldLayout>
 </file>
 
-<file path=ppt/slideLayouts/slideLayout5.xml><?xml version="1.0" encoding="utf-8"?>
+<file path=ppt/slideLayouts/slideLayout6.xml><?xml version="1.0" encoding="utf-8"?>
 <p:sldLayout xmlns:a="http://schemas.openxmlformats.org/drawingml/2006/main" xmlns:r="http://schemas.openxmlformats.org/officeDocument/2006/relationships" xmlns:p="http://schemas.openxmlformats.org/presentationml/2006/main" preserve="1" userDrawn="1">
   <p:cSld name="Inhalt">
     <p:spTree>
@@ -3551,7 +4429,15 @@
             <p:ph type="ftr" sz="quarter" idx="12"/>
           </p:nvPr>
         </p:nvSpPr>
-        <p:spPr/>
+        <p:spPr>
+          <a:xfrm>
+            <a:off x="311162" y="6473313"/>
+            <a:ext cx="6464280" cy="365125"/>
+          </a:xfrm>
+          <a:prstGeom prst="rect">
+            <a:avLst/>
+          </a:prstGeom>
+        </p:spPr>
         <p:txBody>
           <a:bodyPr/>
           <a:lstStyle>
@@ -3655,7 +4541,7 @@
 </p:sldLayout>
 </file>
 
-<file path=ppt/slideLayouts/slideLayout6.xml><?xml version="1.0" encoding="utf-8"?>
+<file path=ppt/slideLayouts/slideLayout7.xml><?xml version="1.0" encoding="utf-8"?>
 <p:sldLayout xmlns:a="http://schemas.openxmlformats.org/drawingml/2006/main" xmlns:r="http://schemas.openxmlformats.org/officeDocument/2006/relationships" xmlns:p="http://schemas.openxmlformats.org/presentationml/2006/main" preserve="1" userDrawn="1">
   <p:cSld name="Inhalt + Text">
     <p:spTree>
@@ -3778,7 +4664,15 @@
             <p:ph type="ftr" sz="quarter" idx="12"/>
           </p:nvPr>
         </p:nvSpPr>
-        <p:spPr/>
+        <p:spPr>
+          <a:xfrm>
+            <a:off x="311162" y="6473313"/>
+            <a:ext cx="6464280" cy="365125"/>
+          </a:xfrm>
+          <a:prstGeom prst="rect">
+            <a:avLst/>
+          </a:prstGeom>
+        </p:spPr>
         <p:txBody>
           <a:bodyPr/>
           <a:lstStyle>
@@ -3930,7 +4824,7 @@
 </p:sldLayout>
 </file>
 
-<file path=ppt/slideLayouts/slideLayout7.xml><?xml version="1.0" encoding="utf-8"?>
+<file path=ppt/slideLayouts/slideLayout8.xml><?xml version="1.0" encoding="utf-8"?>
 <p:sldLayout xmlns:a="http://schemas.openxmlformats.org/drawingml/2006/main" xmlns:r="http://schemas.openxmlformats.org/officeDocument/2006/relationships" xmlns:p="http://schemas.openxmlformats.org/presentationml/2006/main" preserve="1" userDrawn="1">
   <p:cSld name="zwei Inhalte">
     <p:spTree>
@@ -4127,7 +5021,15 @@
             <p:ph type="ftr" sz="quarter" idx="17"/>
           </p:nvPr>
         </p:nvSpPr>
-        <p:spPr/>
+        <p:spPr>
+          <a:xfrm>
+            <a:off x="311162" y="6473313"/>
+            <a:ext cx="6464280" cy="365125"/>
+          </a:xfrm>
+          <a:prstGeom prst="rect">
+            <a:avLst/>
+          </a:prstGeom>
+        </p:spPr>
         <p:txBody>
           <a:bodyPr/>
           <a:lstStyle>
@@ -4231,7 +5133,7 @@
 </p:sldLayout>
 </file>
 
-<file path=ppt/slideLayouts/slideLayout8.xml><?xml version="1.0" encoding="utf-8"?>
+<file path=ppt/slideLayouts/slideLayout9.xml><?xml version="1.0" encoding="utf-8"?>
 <p:sldLayout xmlns:a="http://schemas.openxmlformats.org/drawingml/2006/main" xmlns:r="http://schemas.openxmlformats.org/officeDocument/2006/relationships" xmlns:p="http://schemas.openxmlformats.org/presentationml/2006/main" preserve="1" userDrawn="1">
   <p:cSld name="Zwei Inhalte + Text">
     <p:spTree>
@@ -4331,7 +5233,15 @@
             <p:ph type="ftr" sz="quarter" idx="16"/>
           </p:nvPr>
         </p:nvSpPr>
-        <p:spPr/>
+        <p:spPr>
+          <a:xfrm>
+            <a:off x="311162" y="6473313"/>
+            <a:ext cx="6464280" cy="365125"/>
+          </a:xfrm>
+          <a:prstGeom prst="rect">
+            <a:avLst/>
+          </a:prstGeom>
+        </p:spPr>
         <p:txBody>
           <a:bodyPr/>
           <a:lstStyle>
@@ -4409,350 +5319,6 @@
             </a:lvl2pPr>
             <a:lvl3pPr>
               <a:defRPr sz="1600"/>
-            </a:lvl3pPr>
-          </a:lstStyle>
-          <a:p>
-            <a:pPr lvl="0"/>
-            <a:r>
-              <a:rPr lang="de-DE" dirty="0"/>
-              <a:t>Textmasterformate durch Klicken bearbeiten</a:t>
-            </a:r>
-          </a:p>
-          <a:p>
-            <a:pPr lvl="1"/>
-            <a:r>
-              <a:rPr lang="de-DE" dirty="0"/>
-              <a:t>Zweite Ebene</a:t>
-            </a:r>
-          </a:p>
-          <a:p>
-            <a:pPr lvl="2"/>
-            <a:r>
-              <a:rPr lang="de-DE" sz="1600" dirty="0"/>
-              <a:t>Dritte Ebene</a:t>
-            </a:r>
-            <a:endParaRPr lang="de-DE" dirty="0"/>
-          </a:p>
-        </p:txBody>
-      </p:sp>
-      <p:sp>
-        <p:nvSpPr>
-          <p:cNvPr id="11" name="Bildplatzhalter 2"/>
-          <p:cNvSpPr>
-            <a:spLocks noGrp="1"/>
-          </p:cNvSpPr>
-          <p:nvPr>
-            <p:ph type="pic" sz="quarter" idx="14" hasCustomPrompt="1"/>
-          </p:nvPr>
-        </p:nvSpPr>
-        <p:spPr>
-          <a:xfrm>
-            <a:off x="4584192" y="2484120"/>
-            <a:ext cx="4244400" cy="3974400"/>
-          </a:xfrm>
-          <a:prstGeom prst="rect">
-            <a:avLst/>
-          </a:prstGeom>
-        </p:spPr>
-        <p:txBody>
-          <a:bodyPr/>
-          <a:lstStyle>
-            <a:lvl1pPr>
-              <a:lnSpc>
-                <a:spcPct val="114000"/>
-              </a:lnSpc>
-              <a:defRPr/>
-            </a:lvl1pPr>
-          </a:lstStyle>
-          <a:p>
-            <a:endParaRPr lang="de-DE" dirty="0"/>
-          </a:p>
-        </p:txBody>
-      </p:sp>
-      <p:sp>
-        <p:nvSpPr>
-          <p:cNvPr id="10" name="Titel 1"/>
-          <p:cNvSpPr>
-            <a:spLocks noGrp="1"/>
-          </p:cNvSpPr>
-          <p:nvPr>
-            <p:ph type="title" hasCustomPrompt="1"/>
-          </p:nvPr>
-        </p:nvSpPr>
-        <p:spPr>
-          <a:xfrm>
-            <a:off x="319090" y="994334"/>
-            <a:ext cx="8508999" cy="410369"/>
-          </a:xfrm>
-          <a:prstGeom prst="rect">
-            <a:avLst/>
-          </a:prstGeom>
-          <a:noFill/>
-          <a:ln w="9525">
-            <a:noFill/>
-            <a:miter lim="800000"/>
-            <a:headEnd/>
-            <a:tailEnd/>
-          </a:ln>
-        </p:spPr>
-        <p:txBody>
-          <a:bodyPr vert="horz" wrap="square" lIns="0" tIns="0" rIns="0" bIns="0" numCol="1" anchor="t" anchorCtr="0" compatLnSpc="1">
-            <a:prstTxWarp prst="textNoShape">
-              <a:avLst/>
-            </a:prstTxWarp>
-            <a:spAutoFit/>
-          </a:bodyPr>
-          <a:lstStyle>
-            <a:lvl1pPr>
-              <a:lnSpc>
-                <a:spcPts val="3200"/>
-              </a:lnSpc>
-              <a:defRPr lang="de-DE" sz="3000" noProof="0" dirty="0"/>
-            </a:lvl1pPr>
-          </a:lstStyle>
-          <a:p>
-            <a:pPr lvl="0"/>
-            <a:r>
-              <a:rPr lang="de-DE" noProof="0" dirty="0"/>
-              <a:t>Titel durch Klicken bearbeiten</a:t>
-            </a:r>
-          </a:p>
-        </p:txBody>
-      </p:sp>
-    </p:spTree>
-    <p:extLst>
-      <p:ext uri="{BB962C8B-B14F-4D97-AF65-F5344CB8AC3E}">
-        <p14:creationId xmlns:p14="http://schemas.microsoft.com/office/powerpoint/2010/main" val="1111508191"/>
-      </p:ext>
-    </p:extLst>
-  </p:cSld>
-  <p:clrMapOvr>
-    <a:masterClrMapping/>
-  </p:clrMapOvr>
-</p:sldLayout>
-</file>
-
-<file path=ppt/slideLayouts/slideLayout9.xml><?xml version="1.0" encoding="utf-8"?>
-<p:sldLayout xmlns:a="http://schemas.openxmlformats.org/drawingml/2006/main" xmlns:r="http://schemas.openxmlformats.org/officeDocument/2006/relationships" xmlns:p="http://schemas.openxmlformats.org/presentationml/2006/main" preserve="1" userDrawn="1">
-  <p:cSld name="Zwei Inhalte + Text (Hintergrund)">
-    <p:spTree>
-      <p:nvGrpSpPr>
-        <p:cNvPr id="1" name=""/>
-        <p:cNvGrpSpPr/>
-        <p:nvPr/>
-      </p:nvGrpSpPr>
-      <p:grpSpPr>
-        <a:xfrm>
-          <a:off x="0" y="0"/>
-          <a:ext cx="0" cy="0"/>
-          <a:chOff x="0" y="0"/>
-          <a:chExt cx="0" cy="0"/>
-        </a:xfrm>
-      </p:grpSpPr>
-      <p:sp>
-        <p:nvSpPr>
-          <p:cNvPr id="9" name="Rechteck 8"/>
-          <p:cNvSpPr/>
-          <p:nvPr userDrawn="1"/>
-        </p:nvSpPr>
-        <p:spPr bwMode="auto">
-          <a:xfrm>
-            <a:off x="0" y="2477139"/>
-            <a:ext cx="9144000" cy="4380861"/>
-          </a:xfrm>
-          <a:prstGeom prst="rect">
-            <a:avLst/>
-          </a:prstGeom>
-          <a:solidFill>
-            <a:schemeClr val="bg1">
-              <a:lumMod val="95000"/>
-            </a:schemeClr>
-          </a:solidFill>
-          <a:ln w="9525" cap="flat" cmpd="sng" algn="ctr">
-            <a:noFill/>
-            <a:prstDash val="solid"/>
-            <a:round/>
-            <a:headEnd type="none" w="med" len="med"/>
-            <a:tailEnd type="none" w="med" len="med"/>
-          </a:ln>
-          <a:effectLst/>
-        </p:spPr>
-        <p:txBody>
-          <a:bodyPr vert="horz" wrap="square" lIns="91440" tIns="45720" rIns="91440" bIns="45720" numCol="1" rtlCol="0" anchor="t" anchorCtr="0" compatLnSpc="1">
-            <a:prstTxWarp prst="textNoShape">
-              <a:avLst/>
-            </a:prstTxWarp>
-          </a:bodyPr>
-          <a:lstStyle/>
-          <a:p>
-            <a:pPr algn="r" eaLnBrk="0" hangingPunct="0"/>
-            <a:endParaRPr lang="de-DE" sz="1000">
-              <a:latin typeface="Arial" pitchFamily="34" charset="0"/>
-            </a:endParaRPr>
-          </a:p>
-        </p:txBody>
-      </p:sp>
-      <p:sp>
-        <p:nvSpPr>
-          <p:cNvPr id="18" name="Textplatzhalter 7"/>
-          <p:cNvSpPr>
-            <a:spLocks noGrp="1"/>
-          </p:cNvSpPr>
-          <p:nvPr>
-            <p:ph type="body" sz="quarter" idx="13" hasCustomPrompt="1"/>
-          </p:nvPr>
-        </p:nvSpPr>
-        <p:spPr>
-          <a:xfrm>
-            <a:off x="319089" y="1762188"/>
-            <a:ext cx="8508999" cy="714951"/>
-          </a:xfrm>
-          <a:prstGeom prst="rect">
-            <a:avLst/>
-          </a:prstGeom>
-          <a:noFill/>
-          <a:ln w="9525">
-            <a:noFill/>
-            <a:miter lim="800000"/>
-            <a:headEnd/>
-            <a:tailEnd/>
-          </a:ln>
-        </p:spPr>
-        <p:txBody>
-          <a:bodyPr vert="horz" wrap="square" lIns="0" tIns="0" rIns="0" bIns="0" numCol="1" anchor="t" anchorCtr="0" compatLnSpc="1">
-            <a:prstTxWarp prst="textNoShape">
-              <a:avLst/>
-            </a:prstTxWarp>
-          </a:bodyPr>
-          <a:lstStyle>
-            <a:lvl1pPr>
-              <a:lnSpc>
-                <a:spcPct val="114000"/>
-              </a:lnSpc>
-              <a:defRPr lang="de-DE" noProof="0" dirty="0" smtClean="0"/>
-            </a:lvl1pPr>
-          </a:lstStyle>
-          <a:p>
-            <a:pPr lvl="0"/>
-            <a:r>
-              <a:rPr lang="de-DE" noProof="0" dirty="0"/>
-              <a:t>Inhalt durch Klicken bearbeiten</a:t>
-            </a:r>
-          </a:p>
-        </p:txBody>
-      </p:sp>
-      <p:sp>
-        <p:nvSpPr>
-          <p:cNvPr id="7" name="Foliennummernplatzhalter 6"/>
-          <p:cNvSpPr>
-            <a:spLocks noGrp="1"/>
-          </p:cNvSpPr>
-          <p:nvPr>
-            <p:ph type="sldNum" sz="quarter" idx="15"/>
-          </p:nvPr>
-        </p:nvSpPr>
-        <p:spPr/>
-        <p:txBody>
-          <a:bodyPr/>
-          <a:lstStyle/>
-          <a:p>
-            <a:fld id="{CE58CB1E-F828-4F11-99E0-327109AF9DA4}" type="slidenum">
-              <a:rPr lang="de-DE" smtClean="0"/>
-              <a:pPr/>
-              <a:t>‹Nr.›</a:t>
-            </a:fld>
-            <a:endParaRPr lang="de-DE" dirty="0"/>
-          </a:p>
-        </p:txBody>
-      </p:sp>
-      <p:sp>
-        <p:nvSpPr>
-          <p:cNvPr id="12" name="Fußzeilenplatzhalter 11"/>
-          <p:cNvSpPr>
-            <a:spLocks noGrp="1"/>
-          </p:cNvSpPr>
-          <p:nvPr>
-            <p:ph type="ftr" sz="quarter" idx="16"/>
-          </p:nvPr>
-        </p:nvSpPr>
-        <p:spPr/>
-        <p:txBody>
-          <a:bodyPr/>
-          <a:lstStyle>
-            <a:lvl1pPr>
-              <a:defRPr/>
-            </a:lvl1pPr>
-          </a:lstStyle>
-          <a:p>
-            <a:r>
-              <a:rPr lang="de-DE" dirty="0"/>
-              <a:t>Hannes Bohnengel | Final </a:t>
-            </a:r>
-            <a:r>
-              <a:rPr lang="de-DE" dirty="0" err="1"/>
-              <a:t>Presentation</a:t>
-            </a:r>
-            <a:r>
-              <a:rPr lang="de-DE" dirty="0"/>
-              <a:t> </a:t>
-            </a:r>
-            <a:r>
-              <a:rPr lang="de-DE" dirty="0" err="1"/>
-              <a:t>of</a:t>
-            </a:r>
-            <a:r>
-              <a:rPr lang="de-DE" dirty="0"/>
-              <a:t> </a:t>
-            </a:r>
-            <a:r>
-              <a:rPr lang="de-DE" dirty="0" err="1"/>
-              <a:t>Advanced</a:t>
-            </a:r>
-            <a:r>
-              <a:rPr lang="de-DE" dirty="0"/>
-              <a:t> Seminar</a:t>
-            </a:r>
-            <a:endParaRPr lang="en-US" dirty="0"/>
-          </a:p>
-        </p:txBody>
-      </p:sp>
-      <p:sp>
-        <p:nvSpPr>
-          <p:cNvPr id="8" name="Inhaltsplatzhalter 9"/>
-          <p:cNvSpPr>
-            <a:spLocks noGrp="1"/>
-          </p:cNvSpPr>
-          <p:nvPr>
-            <p:ph sz="quarter" idx="18"/>
-          </p:nvPr>
-        </p:nvSpPr>
-        <p:spPr>
-          <a:xfrm>
-            <a:off x="316992" y="2484000"/>
-            <a:ext cx="4242816" cy="3974655"/>
-          </a:xfrm>
-          <a:prstGeom prst="rect">
-            <a:avLst/>
-          </a:prstGeom>
-        </p:spPr>
-        <p:txBody>
-          <a:bodyPr lIns="0" rIns="0"/>
-          <a:lstStyle>
-            <a:lvl1pPr>
-              <a:defRPr lang="de-DE" sz="1600" kern="1200" noProof="0" dirty="0" smtClean="0">
-                <a:solidFill>
-                  <a:schemeClr val="tx1"/>
-                </a:solidFill>
-                <a:latin typeface="+mn-lt"/>
-                <a:ea typeface="+mn-ea"/>
-                <a:cs typeface="+mn-cs"/>
-              </a:defRPr>
-            </a:lvl1pPr>
-            <a:lvl2pPr>
-              <a:defRPr/>
-            </a:lvl2pPr>
-            <a:lvl3pPr>
-              <a:defRPr sz="1600" baseline="0"/>
             </a:lvl3pPr>
           </a:lstStyle>
           <a:p>
@@ -6180,7 +6746,7 @@
           <p:nvPr/>
         </p:nvPicPr>
         <p:blipFill>
-          <a:blip r:embed="rId3"/>
+          <a:blip r:embed="rId4"/>
           <a:stretch>
             <a:fillRect/>
           </a:stretch>
@@ -6279,7 +6845,8 @@
   </p:cSld>
   <p:clrMap bg1="lt1" tx1="dk1" bg2="lt2" tx2="dk2" accent1="accent1" accent2="accent2" accent3="accent3" accent4="accent4" accent5="accent5" accent6="accent6" hlink="hlink" folHlink="folHlink"/>
   <p:sldLayoutIdLst>
-    <p:sldLayoutId id="2147483675" r:id="rId1"/>
+    <p:sldLayoutId id="2147483712" r:id="rId1"/>
+    <p:sldLayoutId id="2147483675" r:id="rId2"/>
   </p:sldLayoutIdLst>
   <p:hf hdr="0" dt="0"/>
   <p:txStyles>
@@ -6786,8 +7353,8 @@
         </p:nvSpPr>
         <p:spPr>
           <a:xfrm>
-            <a:off x="311162" y="6473313"/>
-            <a:ext cx="6464280" cy="365125"/>
+            <a:off x="311163" y="6473313"/>
+            <a:ext cx="1416038" cy="365125"/>
           </a:xfrm>
           <a:prstGeom prst="rect">
             <a:avLst/>
@@ -6807,33 +7374,324 @@
           <a:p>
             <a:r>
               <a:rPr lang="de-DE" dirty="0"/>
-              <a:t>Hannes Bohnengel | Final </a:t>
-            </a:r>
-            <a:r>
-              <a:rPr lang="de-DE" dirty="0" err="1"/>
-              <a:t>Presentation</a:t>
-            </a:r>
-            <a:r>
-              <a:rPr lang="de-DE" dirty="0"/>
-              <a:t> </a:t>
-            </a:r>
-            <a:r>
-              <a:rPr lang="de-DE" dirty="0" err="1"/>
-              <a:t>of</a:t>
-            </a:r>
-            <a:r>
-              <a:rPr lang="de-DE" dirty="0"/>
-              <a:t> </a:t>
-            </a:r>
-            <a:r>
-              <a:rPr lang="de-DE" dirty="0" err="1"/>
-              <a:t>Advanced</a:t>
-            </a:r>
-            <a:r>
-              <a:rPr lang="de-DE" dirty="0"/>
-              <a:t> Seminar</a:t>
+              <a:t>Hannes Bohnengel</a:t>
             </a:r>
             <a:endParaRPr lang="en-US" dirty="0"/>
+          </a:p>
+        </p:txBody>
+      </p:sp>
+      <p:sp>
+        <p:nvSpPr>
+          <p:cNvPr id="10" name="Fußzeilenplatzhalter 3">
+            <a:extLst>
+              <a:ext uri="{FF2B5EF4-FFF2-40B4-BE49-F238E27FC236}">
+                <a16:creationId xmlns:a16="http://schemas.microsoft.com/office/drawing/2014/main" id="{65F2F18F-0C70-4D9E-A4DC-A1828FC814E9}"/>
+              </a:ext>
+            </a:extLst>
+          </p:cNvPr>
+          <p:cNvSpPr txBox="1">
+            <a:spLocks/>
+          </p:cNvSpPr>
+          <p:nvPr userDrawn="1"/>
+        </p:nvSpPr>
+        <p:spPr>
+          <a:xfrm>
+            <a:off x="3367314" y="4557427"/>
+            <a:ext cx="3022146" cy="365125"/>
+          </a:xfrm>
+          <a:prstGeom prst="rect">
+            <a:avLst/>
+          </a:prstGeom>
+        </p:spPr>
+        <p:txBody>
+          <a:bodyPr vert="horz" lIns="0" tIns="45720" rIns="0" bIns="45720" rtlCol="0" anchor="ctr"/>
+          <a:lstStyle>
+            <a:defPPr>
+              <a:defRPr lang="de-DE"/>
+            </a:defPPr>
+            <a:lvl1pPr algn="l" rtl="0" fontAlgn="base">
+              <a:spcBef>
+                <a:spcPct val="0"/>
+              </a:spcBef>
+              <a:spcAft>
+                <a:spcPct val="0"/>
+              </a:spcAft>
+              <a:defRPr sz="1200" kern="1200">
+                <a:solidFill>
+                  <a:schemeClr val="tx1"/>
+                </a:solidFill>
+                <a:latin typeface="Arial" charset="0"/>
+                <a:ea typeface="+mn-ea"/>
+                <a:cs typeface="Arial" charset="0"/>
+              </a:defRPr>
+            </a:lvl1pPr>
+            <a:lvl2pPr marL="457200" algn="l" rtl="0" fontAlgn="base">
+              <a:spcBef>
+                <a:spcPct val="0"/>
+              </a:spcBef>
+              <a:spcAft>
+                <a:spcPct val="0"/>
+              </a:spcAft>
+              <a:defRPr kern="1200">
+                <a:solidFill>
+                  <a:schemeClr val="tx1"/>
+                </a:solidFill>
+                <a:latin typeface="Arial" charset="0"/>
+                <a:ea typeface="+mn-ea"/>
+                <a:cs typeface="Arial" charset="0"/>
+              </a:defRPr>
+            </a:lvl2pPr>
+            <a:lvl3pPr marL="914400" algn="l" rtl="0" fontAlgn="base">
+              <a:spcBef>
+                <a:spcPct val="0"/>
+              </a:spcBef>
+              <a:spcAft>
+                <a:spcPct val="0"/>
+              </a:spcAft>
+              <a:defRPr kern="1200">
+                <a:solidFill>
+                  <a:schemeClr val="tx1"/>
+                </a:solidFill>
+                <a:latin typeface="Arial" charset="0"/>
+                <a:ea typeface="+mn-ea"/>
+                <a:cs typeface="Arial" charset="0"/>
+              </a:defRPr>
+            </a:lvl3pPr>
+            <a:lvl4pPr marL="1371600" algn="l" rtl="0" fontAlgn="base">
+              <a:spcBef>
+                <a:spcPct val="0"/>
+              </a:spcBef>
+              <a:spcAft>
+                <a:spcPct val="0"/>
+              </a:spcAft>
+              <a:defRPr kern="1200">
+                <a:solidFill>
+                  <a:schemeClr val="tx1"/>
+                </a:solidFill>
+                <a:latin typeface="Arial" charset="0"/>
+                <a:ea typeface="+mn-ea"/>
+                <a:cs typeface="Arial" charset="0"/>
+              </a:defRPr>
+            </a:lvl4pPr>
+            <a:lvl5pPr marL="1828800" algn="l" rtl="0" fontAlgn="base">
+              <a:spcBef>
+                <a:spcPct val="0"/>
+              </a:spcBef>
+              <a:spcAft>
+                <a:spcPct val="0"/>
+              </a:spcAft>
+              <a:defRPr kern="1200">
+                <a:solidFill>
+                  <a:schemeClr val="tx1"/>
+                </a:solidFill>
+                <a:latin typeface="Arial" charset="0"/>
+                <a:ea typeface="+mn-ea"/>
+                <a:cs typeface="Arial" charset="0"/>
+              </a:defRPr>
+            </a:lvl5pPr>
+            <a:lvl6pPr marL="2286000" algn="l" defTabSz="914400" rtl="0" eaLnBrk="1" latinLnBrk="0" hangingPunct="1">
+              <a:defRPr kern="1200">
+                <a:solidFill>
+                  <a:schemeClr val="tx1"/>
+                </a:solidFill>
+                <a:latin typeface="Arial" charset="0"/>
+                <a:ea typeface="+mn-ea"/>
+                <a:cs typeface="Arial" charset="0"/>
+              </a:defRPr>
+            </a:lvl6pPr>
+            <a:lvl7pPr marL="2743200" algn="l" defTabSz="914400" rtl="0" eaLnBrk="1" latinLnBrk="0" hangingPunct="1">
+              <a:defRPr kern="1200">
+                <a:solidFill>
+                  <a:schemeClr val="tx1"/>
+                </a:solidFill>
+                <a:latin typeface="Arial" charset="0"/>
+                <a:ea typeface="+mn-ea"/>
+                <a:cs typeface="Arial" charset="0"/>
+              </a:defRPr>
+            </a:lvl7pPr>
+            <a:lvl8pPr marL="3200400" algn="l" defTabSz="914400" rtl="0" eaLnBrk="1" latinLnBrk="0" hangingPunct="1">
+              <a:defRPr kern="1200">
+                <a:solidFill>
+                  <a:schemeClr val="tx1"/>
+                </a:solidFill>
+                <a:latin typeface="Arial" charset="0"/>
+                <a:ea typeface="+mn-ea"/>
+                <a:cs typeface="Arial" charset="0"/>
+              </a:defRPr>
+            </a:lvl8pPr>
+            <a:lvl9pPr marL="3657600" algn="l" defTabSz="914400" rtl="0" eaLnBrk="1" latinLnBrk="0" hangingPunct="1">
+              <a:defRPr kern="1200">
+                <a:solidFill>
+                  <a:schemeClr val="tx1"/>
+                </a:solidFill>
+                <a:latin typeface="Arial" charset="0"/>
+                <a:ea typeface="+mn-ea"/>
+                <a:cs typeface="Arial" charset="0"/>
+              </a:defRPr>
+            </a:lvl9pPr>
+          </a:lstStyle>
+          <a:p>
+            <a:pPr algn="ctr"/>
+            <a:endParaRPr lang="en-US" dirty="0"/>
+          </a:p>
+        </p:txBody>
+      </p:sp>
+      <p:sp>
+        <p:nvSpPr>
+          <p:cNvPr id="12" name="Fußzeilenplatzhalter 3">
+            <a:extLst>
+              <a:ext uri="{FF2B5EF4-FFF2-40B4-BE49-F238E27FC236}">
+                <a16:creationId xmlns:a16="http://schemas.microsoft.com/office/drawing/2014/main" id="{AE184BF3-0815-47BE-93D8-9D9A15AEA8F0}"/>
+              </a:ext>
+            </a:extLst>
+          </p:cNvPr>
+          <p:cNvSpPr txBox="1">
+            <a:spLocks/>
+          </p:cNvSpPr>
+          <p:nvPr userDrawn="1"/>
+        </p:nvSpPr>
+        <p:spPr>
+          <a:xfrm>
+            <a:off x="3048000" y="6473312"/>
+            <a:ext cx="3048000" cy="365125"/>
+          </a:xfrm>
+          <a:prstGeom prst="rect">
+            <a:avLst/>
+          </a:prstGeom>
+        </p:spPr>
+        <p:txBody>
+          <a:bodyPr vert="horz" lIns="0" tIns="45720" rIns="0" bIns="45720" rtlCol="0" anchor="ctr"/>
+          <a:lstStyle>
+            <a:defPPr>
+              <a:defRPr lang="de-DE"/>
+            </a:defPPr>
+            <a:lvl1pPr algn="l" rtl="0" fontAlgn="base">
+              <a:spcBef>
+                <a:spcPct val="0"/>
+              </a:spcBef>
+              <a:spcAft>
+                <a:spcPct val="0"/>
+              </a:spcAft>
+              <a:defRPr sz="1200" kern="1200">
+                <a:solidFill>
+                  <a:schemeClr val="tx1"/>
+                </a:solidFill>
+                <a:latin typeface="Arial" charset="0"/>
+                <a:ea typeface="+mn-ea"/>
+                <a:cs typeface="Arial" charset="0"/>
+              </a:defRPr>
+            </a:lvl1pPr>
+            <a:lvl2pPr marL="457200" algn="l" rtl="0" fontAlgn="base">
+              <a:spcBef>
+                <a:spcPct val="0"/>
+              </a:spcBef>
+              <a:spcAft>
+                <a:spcPct val="0"/>
+              </a:spcAft>
+              <a:defRPr kern="1200">
+                <a:solidFill>
+                  <a:schemeClr val="tx1"/>
+                </a:solidFill>
+                <a:latin typeface="Arial" charset="0"/>
+                <a:ea typeface="+mn-ea"/>
+                <a:cs typeface="Arial" charset="0"/>
+              </a:defRPr>
+            </a:lvl2pPr>
+            <a:lvl3pPr marL="914400" algn="l" rtl="0" fontAlgn="base">
+              <a:spcBef>
+                <a:spcPct val="0"/>
+              </a:spcBef>
+              <a:spcAft>
+                <a:spcPct val="0"/>
+              </a:spcAft>
+              <a:defRPr kern="1200">
+                <a:solidFill>
+                  <a:schemeClr val="tx1"/>
+                </a:solidFill>
+                <a:latin typeface="Arial" charset="0"/>
+                <a:ea typeface="+mn-ea"/>
+                <a:cs typeface="Arial" charset="0"/>
+              </a:defRPr>
+            </a:lvl3pPr>
+            <a:lvl4pPr marL="1371600" algn="l" rtl="0" fontAlgn="base">
+              <a:spcBef>
+                <a:spcPct val="0"/>
+              </a:spcBef>
+              <a:spcAft>
+                <a:spcPct val="0"/>
+              </a:spcAft>
+              <a:defRPr kern="1200">
+                <a:solidFill>
+                  <a:schemeClr val="tx1"/>
+                </a:solidFill>
+                <a:latin typeface="Arial" charset="0"/>
+                <a:ea typeface="+mn-ea"/>
+                <a:cs typeface="Arial" charset="0"/>
+              </a:defRPr>
+            </a:lvl4pPr>
+            <a:lvl5pPr marL="1828800" algn="l" rtl="0" fontAlgn="base">
+              <a:spcBef>
+                <a:spcPct val="0"/>
+              </a:spcBef>
+              <a:spcAft>
+                <a:spcPct val="0"/>
+              </a:spcAft>
+              <a:defRPr kern="1200">
+                <a:solidFill>
+                  <a:schemeClr val="tx1"/>
+                </a:solidFill>
+                <a:latin typeface="Arial" charset="0"/>
+                <a:ea typeface="+mn-ea"/>
+                <a:cs typeface="Arial" charset="0"/>
+              </a:defRPr>
+            </a:lvl5pPr>
+            <a:lvl6pPr marL="2286000" algn="l" defTabSz="914400" rtl="0" eaLnBrk="1" latinLnBrk="0" hangingPunct="1">
+              <a:defRPr kern="1200">
+                <a:solidFill>
+                  <a:schemeClr val="tx1"/>
+                </a:solidFill>
+                <a:latin typeface="Arial" charset="0"/>
+                <a:ea typeface="+mn-ea"/>
+                <a:cs typeface="Arial" charset="0"/>
+              </a:defRPr>
+            </a:lvl6pPr>
+            <a:lvl7pPr marL="2743200" algn="l" defTabSz="914400" rtl="0" eaLnBrk="1" latinLnBrk="0" hangingPunct="1">
+              <a:defRPr kern="1200">
+                <a:solidFill>
+                  <a:schemeClr val="tx1"/>
+                </a:solidFill>
+                <a:latin typeface="Arial" charset="0"/>
+                <a:ea typeface="+mn-ea"/>
+                <a:cs typeface="Arial" charset="0"/>
+              </a:defRPr>
+            </a:lvl7pPr>
+            <a:lvl8pPr marL="3200400" algn="l" defTabSz="914400" rtl="0" eaLnBrk="1" latinLnBrk="0" hangingPunct="1">
+              <a:defRPr kern="1200">
+                <a:solidFill>
+                  <a:schemeClr val="tx1"/>
+                </a:solidFill>
+                <a:latin typeface="Arial" charset="0"/>
+                <a:ea typeface="+mn-ea"/>
+                <a:cs typeface="Arial" charset="0"/>
+              </a:defRPr>
+            </a:lvl8pPr>
+            <a:lvl9pPr marL="3657600" algn="l" defTabSz="914400" rtl="0" eaLnBrk="1" latinLnBrk="0" hangingPunct="1">
+              <a:defRPr kern="1200">
+                <a:solidFill>
+                  <a:schemeClr val="tx1"/>
+                </a:solidFill>
+                <a:latin typeface="Arial" charset="0"/>
+                <a:ea typeface="+mn-ea"/>
+                <a:cs typeface="Arial" charset="0"/>
+              </a:defRPr>
+            </a:lvl9pPr>
+          </a:lstStyle>
+          <a:p>
+            <a:pPr algn="ctr"/>
+            <a:r>
+              <a:rPr lang="en-US" dirty="0"/>
+              <a:t>Final Presentation of Advanced Seminar</a:t>
+            </a:r>
           </a:p>
         </p:txBody>
       </p:sp>
@@ -8509,8 +9367,8 @@
         </p:nvSpPr>
         <p:spPr>
           <a:xfrm>
-            <a:off x="319088" y="2211622"/>
-            <a:ext cx="8508999" cy="2015310"/>
+            <a:off x="319088" y="2341577"/>
+            <a:ext cx="8508999" cy="2085280"/>
           </a:xfrm>
         </p:spPr>
         <p:txBody>
@@ -8576,12 +9434,7 @@
             <p:ph type="title"/>
           </p:nvPr>
         </p:nvSpPr>
-        <p:spPr>
-          <a:xfrm>
-            <a:off x="319090" y="994334"/>
-            <a:ext cx="8508999" cy="1008546"/>
-          </a:xfrm>
-        </p:spPr>
+        <p:spPr/>
         <p:txBody>
           <a:bodyPr/>
           <a:lstStyle/>
@@ -8615,6 +9468,11 @@
         </p:txBody>
       </p:sp>
     </p:spTree>
+    <p:extLst>
+      <p:ext uri="{BB962C8B-B14F-4D97-AF65-F5344CB8AC3E}">
+        <p14:creationId xmlns:p14="http://schemas.microsoft.com/office/powerpoint/2010/main" val="2086259993"/>
+      </p:ext>
+    </p:extLst>
   </p:cSld>
   <p:clrMapOvr>
     <a:masterClrMapping/>
@@ -8655,12 +9513,7 @@
             <p:ph idx="10"/>
           </p:nvPr>
         </p:nvSpPr>
-        <p:spPr>
-          <a:xfrm>
-            <a:off x="319088" y="1978720"/>
-            <a:ext cx="8508999" cy="2394872"/>
-          </a:xfrm>
-        </p:spPr>
+        <p:spPr/>
         <p:txBody>
           <a:bodyPr/>
           <a:lstStyle/>
@@ -8683,13 +9536,6 @@
               <a:rPr lang="de-DE" dirty="0"/>
               <a:t>Point 2</a:t>
             </a:r>
-          </a:p>
-          <a:p>
-            <a:pPr marL="285750" indent="-285750">
-              <a:buFont typeface="Arial" panose="020B0604020202020204" pitchFamily="34" charset="0"/>
-              <a:buChar char="•"/>
-            </a:pPr>
-            <a:endParaRPr lang="de-DE" dirty="0"/>
           </a:p>
         </p:txBody>
       </p:sp>
@@ -8720,35 +9566,6 @@
               <a:t>2</a:t>
             </a:fld>
             <a:endParaRPr lang="de-DE" dirty="0"/>
-          </a:p>
-        </p:txBody>
-      </p:sp>
-      <p:sp>
-        <p:nvSpPr>
-          <p:cNvPr id="4" name="Fußzeilenplatzhalter 3">
-            <a:extLst>
-              <a:ext uri="{FF2B5EF4-FFF2-40B4-BE49-F238E27FC236}">
-                <a16:creationId xmlns:a16="http://schemas.microsoft.com/office/drawing/2014/main" id="{6543E60B-027F-4C29-9154-69A11656927C}"/>
-              </a:ext>
-            </a:extLst>
-          </p:cNvPr>
-          <p:cNvSpPr>
-            <a:spLocks noGrp="1"/>
-          </p:cNvSpPr>
-          <p:nvPr>
-            <p:ph type="ftr" sz="quarter" idx="12"/>
-          </p:nvPr>
-        </p:nvSpPr>
-        <p:spPr/>
-        <p:txBody>
-          <a:bodyPr/>
-          <a:lstStyle/>
-          <a:p>
-            <a:r>
-              <a:rPr lang="de-DE"/>
-              <a:t>Hannes Bohnengel | Final Presentation of Advanced Seminar</a:t>
-            </a:r>
-            <a:endParaRPr lang="en-US" dirty="0"/>
           </a:p>
         </p:txBody>
       </p:sp>
@@ -8954,29 +9771,6 @@
       </p:sp>
       <p:sp>
         <p:nvSpPr>
-          <p:cNvPr id="6" name="Fußzeilenplatzhalter 4"/>
-          <p:cNvSpPr>
-            <a:spLocks noGrp="1"/>
-          </p:cNvSpPr>
-          <p:nvPr>
-            <p:ph type="ftr" sz="quarter" idx="12"/>
-          </p:nvPr>
-        </p:nvSpPr>
-        <p:spPr/>
-        <p:txBody>
-          <a:bodyPr/>
-          <a:lstStyle/>
-          <a:p>
-            <a:r>
-              <a:rPr lang="de-DE"/>
-              <a:t>Dr. rer. nat. Erika Mustermann (TUM) | kann beliebig erweitert werden | Infos mit Strich trennen</a:t>
-            </a:r>
-            <a:endParaRPr lang="en-US" dirty="0"/>
-          </a:p>
-        </p:txBody>
-      </p:sp>
-      <p:sp>
-        <p:nvSpPr>
           <p:cNvPr id="3" name="Titel 2"/>
           <p:cNvSpPr>
             <a:spLocks noGrp="1"/>
@@ -8999,6 +9793,40 @@
               <a:t>Schrift</a:t>
             </a:r>
             <a:endParaRPr lang="de-DE" sz="3000" dirty="0"/>
+          </a:p>
+        </p:txBody>
+      </p:sp>
+      <p:sp>
+        <p:nvSpPr>
+          <p:cNvPr id="7" name="Fußzeilenplatzhalter 3">
+            <a:extLst>
+              <a:ext uri="{FF2B5EF4-FFF2-40B4-BE49-F238E27FC236}">
+                <a16:creationId xmlns:a16="http://schemas.microsoft.com/office/drawing/2014/main" id="{3EF033C2-BFE5-463A-8665-11E06BDCE587}"/>
+              </a:ext>
+            </a:extLst>
+          </p:cNvPr>
+          <p:cNvSpPr>
+            <a:spLocks noGrp="1"/>
+          </p:cNvSpPr>
+          <p:nvPr>
+            <p:ph type="ftr" sz="quarter" idx="12"/>
+          </p:nvPr>
+        </p:nvSpPr>
+        <p:spPr>
+          <a:xfrm>
+            <a:off x="311163" y="6473313"/>
+            <a:ext cx="1430552" cy="365125"/>
+          </a:xfrm>
+        </p:spPr>
+        <p:txBody>
+          <a:bodyPr/>
+          <a:lstStyle/>
+          <a:p>
+            <a:r>
+              <a:rPr lang="de-DE" dirty="0"/>
+              <a:t>Hannes Bohnengel</a:t>
+            </a:r>
+            <a:endParaRPr lang="en-US" dirty="0"/>
           </a:p>
         </p:txBody>
       </p:sp>
@@ -9153,29 +9981,6 @@
       </p:sp>
       <p:sp>
         <p:nvSpPr>
-          <p:cNvPr id="19" name="Fußzeilenplatzhalter 4"/>
-          <p:cNvSpPr>
-            <a:spLocks noGrp="1"/>
-          </p:cNvSpPr>
-          <p:nvPr>
-            <p:ph type="ftr" sz="quarter" idx="12"/>
-          </p:nvPr>
-        </p:nvSpPr>
-        <p:spPr/>
-        <p:txBody>
-          <a:bodyPr/>
-          <a:lstStyle/>
-          <a:p>
-            <a:r>
-              <a:rPr lang="de-DE"/>
-              <a:t>Dr. rer. nat. Erika Mustermann (TUM) | kann beliebig erweitert werden | Infos mit Strich trennen</a:t>
-            </a:r>
-            <a:endParaRPr lang="en-US" dirty="0"/>
-          </a:p>
-        </p:txBody>
-      </p:sp>
-      <p:sp>
-        <p:nvSpPr>
           <p:cNvPr id="3" name="Titel 2"/>
           <p:cNvSpPr>
             <a:spLocks noGrp="1"/>
@@ -9762,6 +10567,199 @@
               </a:lnSpc>
             </a:pPr>
             <a:endParaRPr lang="de-DE" dirty="0"/>
+          </a:p>
+        </p:txBody>
+      </p:sp>
+      <p:sp>
+        <p:nvSpPr>
+          <p:cNvPr id="16" name="Fußzeilenplatzhalter 3">
+            <a:extLst>
+              <a:ext uri="{FF2B5EF4-FFF2-40B4-BE49-F238E27FC236}">
+                <a16:creationId xmlns:a16="http://schemas.microsoft.com/office/drawing/2014/main" id="{EB3F7DAC-614D-4776-A8BF-0C8AB298A04F}"/>
+              </a:ext>
+            </a:extLst>
+          </p:cNvPr>
+          <p:cNvSpPr>
+            <a:spLocks noGrp="1"/>
+          </p:cNvSpPr>
+          <p:nvPr>
+            <p:ph type="ftr" sz="quarter" idx="12"/>
+          </p:nvPr>
+        </p:nvSpPr>
+        <p:spPr>
+          <a:xfrm>
+            <a:off x="311163" y="6473313"/>
+            <a:ext cx="1430552" cy="365125"/>
+          </a:xfrm>
+        </p:spPr>
+        <p:txBody>
+          <a:bodyPr/>
+          <a:lstStyle/>
+          <a:p>
+            <a:r>
+              <a:rPr lang="de-DE" dirty="0"/>
+              <a:t>Hannes Bohnengel</a:t>
+            </a:r>
+            <a:endParaRPr lang="en-US" dirty="0"/>
+          </a:p>
+        </p:txBody>
+      </p:sp>
+      <p:sp>
+        <p:nvSpPr>
+          <p:cNvPr id="17" name="Fußzeilenplatzhalter 3">
+            <a:extLst>
+              <a:ext uri="{FF2B5EF4-FFF2-40B4-BE49-F238E27FC236}">
+                <a16:creationId xmlns:a16="http://schemas.microsoft.com/office/drawing/2014/main" id="{96B9A911-4D91-41E4-8270-9C1667A8ED5C}"/>
+              </a:ext>
+            </a:extLst>
+          </p:cNvPr>
+          <p:cNvSpPr txBox="1">
+            <a:spLocks/>
+          </p:cNvSpPr>
+          <p:nvPr/>
+        </p:nvSpPr>
+        <p:spPr>
+          <a:xfrm>
+            <a:off x="3062514" y="6473312"/>
+            <a:ext cx="3022146" cy="365125"/>
+          </a:xfrm>
+          <a:prstGeom prst="rect">
+            <a:avLst/>
+          </a:prstGeom>
+        </p:spPr>
+        <p:txBody>
+          <a:bodyPr vert="horz" lIns="0" tIns="45720" rIns="0" bIns="45720" rtlCol="0" anchor="ctr"/>
+          <a:lstStyle>
+            <a:defPPr>
+              <a:defRPr lang="de-DE"/>
+            </a:defPPr>
+            <a:lvl1pPr algn="l" rtl="0" fontAlgn="base">
+              <a:spcBef>
+                <a:spcPct val="0"/>
+              </a:spcBef>
+              <a:spcAft>
+                <a:spcPct val="0"/>
+              </a:spcAft>
+              <a:defRPr sz="1200" kern="1200">
+                <a:solidFill>
+                  <a:schemeClr val="tx1"/>
+                </a:solidFill>
+                <a:latin typeface="Arial" charset="0"/>
+                <a:ea typeface="+mn-ea"/>
+                <a:cs typeface="Arial" charset="0"/>
+              </a:defRPr>
+            </a:lvl1pPr>
+            <a:lvl2pPr marL="457200" algn="l" rtl="0" fontAlgn="base">
+              <a:spcBef>
+                <a:spcPct val="0"/>
+              </a:spcBef>
+              <a:spcAft>
+                <a:spcPct val="0"/>
+              </a:spcAft>
+              <a:defRPr kern="1200">
+                <a:solidFill>
+                  <a:schemeClr val="tx1"/>
+                </a:solidFill>
+                <a:latin typeface="Arial" charset="0"/>
+                <a:ea typeface="+mn-ea"/>
+                <a:cs typeface="Arial" charset="0"/>
+              </a:defRPr>
+            </a:lvl2pPr>
+            <a:lvl3pPr marL="914400" algn="l" rtl="0" fontAlgn="base">
+              <a:spcBef>
+                <a:spcPct val="0"/>
+              </a:spcBef>
+              <a:spcAft>
+                <a:spcPct val="0"/>
+              </a:spcAft>
+              <a:defRPr kern="1200">
+                <a:solidFill>
+                  <a:schemeClr val="tx1"/>
+                </a:solidFill>
+                <a:latin typeface="Arial" charset="0"/>
+                <a:ea typeface="+mn-ea"/>
+                <a:cs typeface="Arial" charset="0"/>
+              </a:defRPr>
+            </a:lvl3pPr>
+            <a:lvl4pPr marL="1371600" algn="l" rtl="0" fontAlgn="base">
+              <a:spcBef>
+                <a:spcPct val="0"/>
+              </a:spcBef>
+              <a:spcAft>
+                <a:spcPct val="0"/>
+              </a:spcAft>
+              <a:defRPr kern="1200">
+                <a:solidFill>
+                  <a:schemeClr val="tx1"/>
+                </a:solidFill>
+                <a:latin typeface="Arial" charset="0"/>
+                <a:ea typeface="+mn-ea"/>
+                <a:cs typeface="Arial" charset="0"/>
+              </a:defRPr>
+            </a:lvl4pPr>
+            <a:lvl5pPr marL="1828800" algn="l" rtl="0" fontAlgn="base">
+              <a:spcBef>
+                <a:spcPct val="0"/>
+              </a:spcBef>
+              <a:spcAft>
+                <a:spcPct val="0"/>
+              </a:spcAft>
+              <a:defRPr kern="1200">
+                <a:solidFill>
+                  <a:schemeClr val="tx1"/>
+                </a:solidFill>
+                <a:latin typeface="Arial" charset="0"/>
+                <a:ea typeface="+mn-ea"/>
+                <a:cs typeface="Arial" charset="0"/>
+              </a:defRPr>
+            </a:lvl5pPr>
+            <a:lvl6pPr marL="2286000" algn="l" defTabSz="914400" rtl="0" eaLnBrk="1" latinLnBrk="0" hangingPunct="1">
+              <a:defRPr kern="1200">
+                <a:solidFill>
+                  <a:schemeClr val="tx1"/>
+                </a:solidFill>
+                <a:latin typeface="Arial" charset="0"/>
+                <a:ea typeface="+mn-ea"/>
+                <a:cs typeface="Arial" charset="0"/>
+              </a:defRPr>
+            </a:lvl6pPr>
+            <a:lvl7pPr marL="2743200" algn="l" defTabSz="914400" rtl="0" eaLnBrk="1" latinLnBrk="0" hangingPunct="1">
+              <a:defRPr kern="1200">
+                <a:solidFill>
+                  <a:schemeClr val="tx1"/>
+                </a:solidFill>
+                <a:latin typeface="Arial" charset="0"/>
+                <a:ea typeface="+mn-ea"/>
+                <a:cs typeface="Arial" charset="0"/>
+              </a:defRPr>
+            </a:lvl7pPr>
+            <a:lvl8pPr marL="3200400" algn="l" defTabSz="914400" rtl="0" eaLnBrk="1" latinLnBrk="0" hangingPunct="1">
+              <a:defRPr kern="1200">
+                <a:solidFill>
+                  <a:schemeClr val="tx1"/>
+                </a:solidFill>
+                <a:latin typeface="Arial" charset="0"/>
+                <a:ea typeface="+mn-ea"/>
+                <a:cs typeface="Arial" charset="0"/>
+              </a:defRPr>
+            </a:lvl8pPr>
+            <a:lvl9pPr marL="3657600" algn="l" defTabSz="914400" rtl="0" eaLnBrk="1" latinLnBrk="0" hangingPunct="1">
+              <a:defRPr kern="1200">
+                <a:solidFill>
+                  <a:schemeClr val="tx1"/>
+                </a:solidFill>
+                <a:latin typeface="Arial" charset="0"/>
+                <a:ea typeface="+mn-ea"/>
+                <a:cs typeface="Arial" charset="0"/>
+              </a:defRPr>
+            </a:lvl9pPr>
+          </a:lstStyle>
+          <a:p>
+            <a:pPr algn="ctr"/>
+            <a:r>
+              <a:rPr lang="en-US" dirty="0"/>
+              <a:t>Final Presentation of Advanced Seminar</a:t>
+            </a:r>
           </a:p>
         </p:txBody>
       </p:sp>
@@ -9923,29 +10921,6 @@
       </p:sp>
       <p:sp>
         <p:nvSpPr>
-          <p:cNvPr id="5" name="Fußzeilenplatzhalter 4"/>
-          <p:cNvSpPr>
-            <a:spLocks noGrp="1"/>
-          </p:cNvSpPr>
-          <p:nvPr>
-            <p:ph type="ftr" sz="quarter" idx="12"/>
-          </p:nvPr>
-        </p:nvSpPr>
-        <p:spPr/>
-        <p:txBody>
-          <a:bodyPr/>
-          <a:lstStyle/>
-          <a:p>
-            <a:r>
-              <a:rPr lang="de-DE"/>
-              <a:t>Dr. rer. nat. Erika Mustermann (TUM) | kann beliebig erweitert werden | Infos mit Strich trennen</a:t>
-            </a:r>
-            <a:endParaRPr lang="en-US" dirty="0"/>
-          </a:p>
-        </p:txBody>
-      </p:sp>
-      <p:sp>
-        <p:nvSpPr>
           <p:cNvPr id="3" name="Titel 2"/>
           <p:cNvSpPr>
             <a:spLocks noGrp="1"/>
@@ -9964,6 +10939,199 @@
               <a:t>Aufzählung</a:t>
             </a:r>
             <a:endParaRPr lang="de-DE" dirty="0"/>
+          </a:p>
+        </p:txBody>
+      </p:sp>
+      <p:sp>
+        <p:nvSpPr>
+          <p:cNvPr id="6" name="Fußzeilenplatzhalter 3">
+            <a:extLst>
+              <a:ext uri="{FF2B5EF4-FFF2-40B4-BE49-F238E27FC236}">
+                <a16:creationId xmlns:a16="http://schemas.microsoft.com/office/drawing/2014/main" id="{6D9C17F9-4EA6-49F4-A284-80C513D34E48}"/>
+              </a:ext>
+            </a:extLst>
+          </p:cNvPr>
+          <p:cNvSpPr>
+            <a:spLocks noGrp="1"/>
+          </p:cNvSpPr>
+          <p:nvPr>
+            <p:ph type="ftr" sz="quarter" idx="12"/>
+          </p:nvPr>
+        </p:nvSpPr>
+        <p:spPr>
+          <a:xfrm>
+            <a:off x="311163" y="6473313"/>
+            <a:ext cx="1430552" cy="365125"/>
+          </a:xfrm>
+        </p:spPr>
+        <p:txBody>
+          <a:bodyPr/>
+          <a:lstStyle/>
+          <a:p>
+            <a:r>
+              <a:rPr lang="de-DE" dirty="0"/>
+              <a:t>Hannes Bohnengel</a:t>
+            </a:r>
+            <a:endParaRPr lang="en-US" dirty="0"/>
+          </a:p>
+        </p:txBody>
+      </p:sp>
+      <p:sp>
+        <p:nvSpPr>
+          <p:cNvPr id="7" name="Fußzeilenplatzhalter 3">
+            <a:extLst>
+              <a:ext uri="{FF2B5EF4-FFF2-40B4-BE49-F238E27FC236}">
+                <a16:creationId xmlns:a16="http://schemas.microsoft.com/office/drawing/2014/main" id="{D01415AD-5547-4E3E-A0F9-C9236DDB1935}"/>
+              </a:ext>
+            </a:extLst>
+          </p:cNvPr>
+          <p:cNvSpPr txBox="1">
+            <a:spLocks/>
+          </p:cNvSpPr>
+          <p:nvPr/>
+        </p:nvSpPr>
+        <p:spPr>
+          <a:xfrm>
+            <a:off x="3062514" y="6473312"/>
+            <a:ext cx="3022146" cy="365125"/>
+          </a:xfrm>
+          <a:prstGeom prst="rect">
+            <a:avLst/>
+          </a:prstGeom>
+        </p:spPr>
+        <p:txBody>
+          <a:bodyPr vert="horz" lIns="0" tIns="45720" rIns="0" bIns="45720" rtlCol="0" anchor="ctr"/>
+          <a:lstStyle>
+            <a:defPPr>
+              <a:defRPr lang="de-DE"/>
+            </a:defPPr>
+            <a:lvl1pPr algn="l" rtl="0" fontAlgn="base">
+              <a:spcBef>
+                <a:spcPct val="0"/>
+              </a:spcBef>
+              <a:spcAft>
+                <a:spcPct val="0"/>
+              </a:spcAft>
+              <a:defRPr sz="1200" kern="1200">
+                <a:solidFill>
+                  <a:schemeClr val="tx1"/>
+                </a:solidFill>
+                <a:latin typeface="Arial" charset="0"/>
+                <a:ea typeface="+mn-ea"/>
+                <a:cs typeface="Arial" charset="0"/>
+              </a:defRPr>
+            </a:lvl1pPr>
+            <a:lvl2pPr marL="457200" algn="l" rtl="0" fontAlgn="base">
+              <a:spcBef>
+                <a:spcPct val="0"/>
+              </a:spcBef>
+              <a:spcAft>
+                <a:spcPct val="0"/>
+              </a:spcAft>
+              <a:defRPr kern="1200">
+                <a:solidFill>
+                  <a:schemeClr val="tx1"/>
+                </a:solidFill>
+                <a:latin typeface="Arial" charset="0"/>
+                <a:ea typeface="+mn-ea"/>
+                <a:cs typeface="Arial" charset="0"/>
+              </a:defRPr>
+            </a:lvl2pPr>
+            <a:lvl3pPr marL="914400" algn="l" rtl="0" fontAlgn="base">
+              <a:spcBef>
+                <a:spcPct val="0"/>
+              </a:spcBef>
+              <a:spcAft>
+                <a:spcPct val="0"/>
+              </a:spcAft>
+              <a:defRPr kern="1200">
+                <a:solidFill>
+                  <a:schemeClr val="tx1"/>
+                </a:solidFill>
+                <a:latin typeface="Arial" charset="0"/>
+                <a:ea typeface="+mn-ea"/>
+                <a:cs typeface="Arial" charset="0"/>
+              </a:defRPr>
+            </a:lvl3pPr>
+            <a:lvl4pPr marL="1371600" algn="l" rtl="0" fontAlgn="base">
+              <a:spcBef>
+                <a:spcPct val="0"/>
+              </a:spcBef>
+              <a:spcAft>
+                <a:spcPct val="0"/>
+              </a:spcAft>
+              <a:defRPr kern="1200">
+                <a:solidFill>
+                  <a:schemeClr val="tx1"/>
+                </a:solidFill>
+                <a:latin typeface="Arial" charset="0"/>
+                <a:ea typeface="+mn-ea"/>
+                <a:cs typeface="Arial" charset="0"/>
+              </a:defRPr>
+            </a:lvl4pPr>
+            <a:lvl5pPr marL="1828800" algn="l" rtl="0" fontAlgn="base">
+              <a:spcBef>
+                <a:spcPct val="0"/>
+              </a:spcBef>
+              <a:spcAft>
+                <a:spcPct val="0"/>
+              </a:spcAft>
+              <a:defRPr kern="1200">
+                <a:solidFill>
+                  <a:schemeClr val="tx1"/>
+                </a:solidFill>
+                <a:latin typeface="Arial" charset="0"/>
+                <a:ea typeface="+mn-ea"/>
+                <a:cs typeface="Arial" charset="0"/>
+              </a:defRPr>
+            </a:lvl5pPr>
+            <a:lvl6pPr marL="2286000" algn="l" defTabSz="914400" rtl="0" eaLnBrk="1" latinLnBrk="0" hangingPunct="1">
+              <a:defRPr kern="1200">
+                <a:solidFill>
+                  <a:schemeClr val="tx1"/>
+                </a:solidFill>
+                <a:latin typeface="Arial" charset="0"/>
+                <a:ea typeface="+mn-ea"/>
+                <a:cs typeface="Arial" charset="0"/>
+              </a:defRPr>
+            </a:lvl6pPr>
+            <a:lvl7pPr marL="2743200" algn="l" defTabSz="914400" rtl="0" eaLnBrk="1" latinLnBrk="0" hangingPunct="1">
+              <a:defRPr kern="1200">
+                <a:solidFill>
+                  <a:schemeClr val="tx1"/>
+                </a:solidFill>
+                <a:latin typeface="Arial" charset="0"/>
+                <a:ea typeface="+mn-ea"/>
+                <a:cs typeface="Arial" charset="0"/>
+              </a:defRPr>
+            </a:lvl7pPr>
+            <a:lvl8pPr marL="3200400" algn="l" defTabSz="914400" rtl="0" eaLnBrk="1" latinLnBrk="0" hangingPunct="1">
+              <a:defRPr kern="1200">
+                <a:solidFill>
+                  <a:schemeClr val="tx1"/>
+                </a:solidFill>
+                <a:latin typeface="Arial" charset="0"/>
+                <a:ea typeface="+mn-ea"/>
+                <a:cs typeface="Arial" charset="0"/>
+              </a:defRPr>
+            </a:lvl8pPr>
+            <a:lvl9pPr marL="3657600" algn="l" defTabSz="914400" rtl="0" eaLnBrk="1" latinLnBrk="0" hangingPunct="1">
+              <a:defRPr kern="1200">
+                <a:solidFill>
+                  <a:schemeClr val="tx1"/>
+                </a:solidFill>
+                <a:latin typeface="Arial" charset="0"/>
+                <a:ea typeface="+mn-ea"/>
+                <a:cs typeface="Arial" charset="0"/>
+              </a:defRPr>
+            </a:lvl9pPr>
+          </a:lstStyle>
+          <a:p>
+            <a:pPr algn="ctr"/>
+            <a:r>
+              <a:rPr lang="en-US" dirty="0"/>
+              <a:t>Final Presentation of Advanced Seminar</a:t>
+            </a:r>
           </a:p>
         </p:txBody>
       </p:sp>
@@ -10633,53 +11801,6 @@
       </p:sp>
       <p:sp>
         <p:nvSpPr>
-          <p:cNvPr id="10" name="Fußzeilenplatzhalter 4"/>
-          <p:cNvSpPr>
-            <a:spLocks noGrp="1"/>
-          </p:cNvSpPr>
-          <p:nvPr>
-            <p:ph type="ftr" sz="quarter" idx="12"/>
-          </p:nvPr>
-        </p:nvSpPr>
-        <p:spPr/>
-        <p:txBody>
-          <a:bodyPr/>
-          <a:lstStyle/>
-          <a:p>
-            <a:r>
-              <a:rPr lang="de-DE" dirty="0"/>
-              <a:t>Hannes Bohnengel | Final </a:t>
-            </a:r>
-            <a:r>
-              <a:rPr lang="de-DE" dirty="0" err="1"/>
-              <a:t>Presentation</a:t>
-            </a:r>
-            <a:r>
-              <a:rPr lang="de-DE" dirty="0"/>
-              <a:t> </a:t>
-            </a:r>
-            <a:r>
-              <a:rPr lang="de-DE" dirty="0" err="1"/>
-              <a:t>of</a:t>
-            </a:r>
-            <a:r>
-              <a:rPr lang="de-DE" dirty="0"/>
-              <a:t> </a:t>
-            </a:r>
-            <a:r>
-              <a:rPr lang="de-DE" dirty="0" err="1"/>
-              <a:t>Advanced</a:t>
-            </a:r>
-            <a:r>
-              <a:rPr lang="de-DE" dirty="0"/>
-              <a:t> Seminar</a:t>
-            </a:r>
-            <a:endParaRPr lang="en-US" dirty="0"/>
-          </a:p>
-        </p:txBody>
-      </p:sp>
-      <p:sp>
-        <p:nvSpPr>
           <p:cNvPr id="2" name="Textplatzhalter 1"/>
           <p:cNvSpPr>
             <a:spLocks noGrp="1"/>
@@ -10728,6 +11849,199 @@
               <a:t>Tabelle – Beispiel 1</a:t>
             </a:r>
             <a:endParaRPr lang="de-DE" dirty="0"/>
+          </a:p>
+        </p:txBody>
+      </p:sp>
+      <p:sp>
+        <p:nvSpPr>
+          <p:cNvPr id="8" name="Fußzeilenplatzhalter 3">
+            <a:extLst>
+              <a:ext uri="{FF2B5EF4-FFF2-40B4-BE49-F238E27FC236}">
+                <a16:creationId xmlns:a16="http://schemas.microsoft.com/office/drawing/2014/main" id="{5237996D-EC48-42E4-B6E2-55F433129EA2}"/>
+              </a:ext>
+            </a:extLst>
+          </p:cNvPr>
+          <p:cNvSpPr>
+            <a:spLocks noGrp="1"/>
+          </p:cNvSpPr>
+          <p:nvPr>
+            <p:ph type="ftr" sz="quarter" idx="12"/>
+          </p:nvPr>
+        </p:nvSpPr>
+        <p:spPr>
+          <a:xfrm>
+            <a:off x="311163" y="6473313"/>
+            <a:ext cx="1430552" cy="365125"/>
+          </a:xfrm>
+        </p:spPr>
+        <p:txBody>
+          <a:bodyPr/>
+          <a:lstStyle/>
+          <a:p>
+            <a:r>
+              <a:rPr lang="de-DE" dirty="0"/>
+              <a:t>Hannes Bohnengel</a:t>
+            </a:r>
+            <a:endParaRPr lang="en-US" dirty="0"/>
+          </a:p>
+        </p:txBody>
+      </p:sp>
+      <p:sp>
+        <p:nvSpPr>
+          <p:cNvPr id="9" name="Fußzeilenplatzhalter 3">
+            <a:extLst>
+              <a:ext uri="{FF2B5EF4-FFF2-40B4-BE49-F238E27FC236}">
+                <a16:creationId xmlns:a16="http://schemas.microsoft.com/office/drawing/2014/main" id="{ADE4DC19-A96C-4D3E-B5B0-F1C9D38E62ED}"/>
+              </a:ext>
+            </a:extLst>
+          </p:cNvPr>
+          <p:cNvSpPr txBox="1">
+            <a:spLocks/>
+          </p:cNvSpPr>
+          <p:nvPr/>
+        </p:nvSpPr>
+        <p:spPr>
+          <a:xfrm>
+            <a:off x="3062514" y="6473312"/>
+            <a:ext cx="3022146" cy="365125"/>
+          </a:xfrm>
+          <a:prstGeom prst="rect">
+            <a:avLst/>
+          </a:prstGeom>
+        </p:spPr>
+        <p:txBody>
+          <a:bodyPr vert="horz" lIns="0" tIns="45720" rIns="0" bIns="45720" rtlCol="0" anchor="ctr"/>
+          <a:lstStyle>
+            <a:defPPr>
+              <a:defRPr lang="de-DE"/>
+            </a:defPPr>
+            <a:lvl1pPr algn="l" rtl="0" fontAlgn="base">
+              <a:spcBef>
+                <a:spcPct val="0"/>
+              </a:spcBef>
+              <a:spcAft>
+                <a:spcPct val="0"/>
+              </a:spcAft>
+              <a:defRPr sz="1200" kern="1200">
+                <a:solidFill>
+                  <a:schemeClr val="tx1"/>
+                </a:solidFill>
+                <a:latin typeface="Arial" charset="0"/>
+                <a:ea typeface="+mn-ea"/>
+                <a:cs typeface="Arial" charset="0"/>
+              </a:defRPr>
+            </a:lvl1pPr>
+            <a:lvl2pPr marL="457200" algn="l" rtl="0" fontAlgn="base">
+              <a:spcBef>
+                <a:spcPct val="0"/>
+              </a:spcBef>
+              <a:spcAft>
+                <a:spcPct val="0"/>
+              </a:spcAft>
+              <a:defRPr kern="1200">
+                <a:solidFill>
+                  <a:schemeClr val="tx1"/>
+                </a:solidFill>
+                <a:latin typeface="Arial" charset="0"/>
+                <a:ea typeface="+mn-ea"/>
+                <a:cs typeface="Arial" charset="0"/>
+              </a:defRPr>
+            </a:lvl2pPr>
+            <a:lvl3pPr marL="914400" algn="l" rtl="0" fontAlgn="base">
+              <a:spcBef>
+                <a:spcPct val="0"/>
+              </a:spcBef>
+              <a:spcAft>
+                <a:spcPct val="0"/>
+              </a:spcAft>
+              <a:defRPr kern="1200">
+                <a:solidFill>
+                  <a:schemeClr val="tx1"/>
+                </a:solidFill>
+                <a:latin typeface="Arial" charset="0"/>
+                <a:ea typeface="+mn-ea"/>
+                <a:cs typeface="Arial" charset="0"/>
+              </a:defRPr>
+            </a:lvl3pPr>
+            <a:lvl4pPr marL="1371600" algn="l" rtl="0" fontAlgn="base">
+              <a:spcBef>
+                <a:spcPct val="0"/>
+              </a:spcBef>
+              <a:spcAft>
+                <a:spcPct val="0"/>
+              </a:spcAft>
+              <a:defRPr kern="1200">
+                <a:solidFill>
+                  <a:schemeClr val="tx1"/>
+                </a:solidFill>
+                <a:latin typeface="Arial" charset="0"/>
+                <a:ea typeface="+mn-ea"/>
+                <a:cs typeface="Arial" charset="0"/>
+              </a:defRPr>
+            </a:lvl4pPr>
+            <a:lvl5pPr marL="1828800" algn="l" rtl="0" fontAlgn="base">
+              <a:spcBef>
+                <a:spcPct val="0"/>
+              </a:spcBef>
+              <a:spcAft>
+                <a:spcPct val="0"/>
+              </a:spcAft>
+              <a:defRPr kern="1200">
+                <a:solidFill>
+                  <a:schemeClr val="tx1"/>
+                </a:solidFill>
+                <a:latin typeface="Arial" charset="0"/>
+                <a:ea typeface="+mn-ea"/>
+                <a:cs typeface="Arial" charset="0"/>
+              </a:defRPr>
+            </a:lvl5pPr>
+            <a:lvl6pPr marL="2286000" algn="l" defTabSz="914400" rtl="0" eaLnBrk="1" latinLnBrk="0" hangingPunct="1">
+              <a:defRPr kern="1200">
+                <a:solidFill>
+                  <a:schemeClr val="tx1"/>
+                </a:solidFill>
+                <a:latin typeface="Arial" charset="0"/>
+                <a:ea typeface="+mn-ea"/>
+                <a:cs typeface="Arial" charset="0"/>
+              </a:defRPr>
+            </a:lvl6pPr>
+            <a:lvl7pPr marL="2743200" algn="l" defTabSz="914400" rtl="0" eaLnBrk="1" latinLnBrk="0" hangingPunct="1">
+              <a:defRPr kern="1200">
+                <a:solidFill>
+                  <a:schemeClr val="tx1"/>
+                </a:solidFill>
+                <a:latin typeface="Arial" charset="0"/>
+                <a:ea typeface="+mn-ea"/>
+                <a:cs typeface="Arial" charset="0"/>
+              </a:defRPr>
+            </a:lvl7pPr>
+            <a:lvl8pPr marL="3200400" algn="l" defTabSz="914400" rtl="0" eaLnBrk="1" latinLnBrk="0" hangingPunct="1">
+              <a:defRPr kern="1200">
+                <a:solidFill>
+                  <a:schemeClr val="tx1"/>
+                </a:solidFill>
+                <a:latin typeface="Arial" charset="0"/>
+                <a:ea typeface="+mn-ea"/>
+                <a:cs typeface="Arial" charset="0"/>
+              </a:defRPr>
+            </a:lvl8pPr>
+            <a:lvl9pPr marL="3657600" algn="l" defTabSz="914400" rtl="0" eaLnBrk="1" latinLnBrk="0" hangingPunct="1">
+              <a:defRPr kern="1200">
+                <a:solidFill>
+                  <a:schemeClr val="tx1"/>
+                </a:solidFill>
+                <a:latin typeface="Arial" charset="0"/>
+                <a:ea typeface="+mn-ea"/>
+                <a:cs typeface="Arial" charset="0"/>
+              </a:defRPr>
+            </a:lvl9pPr>
+          </a:lstStyle>
+          <a:p>
+            <a:pPr algn="ctr"/>
+            <a:r>
+              <a:rPr lang="en-US" dirty="0"/>
+              <a:t>Final Presentation of Advanced Seminar</a:t>
+            </a:r>
           </a:p>
         </p:txBody>
       </p:sp>
@@ -11187,53 +12501,6 @@
       </p:sp>
       <p:sp>
         <p:nvSpPr>
-          <p:cNvPr id="10" name="Fußzeilenplatzhalter 4"/>
-          <p:cNvSpPr>
-            <a:spLocks noGrp="1"/>
-          </p:cNvSpPr>
-          <p:nvPr>
-            <p:ph type="ftr" sz="quarter" idx="12"/>
-          </p:nvPr>
-        </p:nvSpPr>
-        <p:spPr/>
-        <p:txBody>
-          <a:bodyPr/>
-          <a:lstStyle/>
-          <a:p>
-            <a:r>
-              <a:rPr lang="de-DE" dirty="0"/>
-              <a:t>Hannes Bohnengel | Final </a:t>
-            </a:r>
-            <a:r>
-              <a:rPr lang="de-DE" dirty="0" err="1"/>
-              <a:t>Presentation</a:t>
-            </a:r>
-            <a:r>
-              <a:rPr lang="de-DE" dirty="0"/>
-              <a:t> </a:t>
-            </a:r>
-            <a:r>
-              <a:rPr lang="de-DE" dirty="0" err="1"/>
-              <a:t>of</a:t>
-            </a:r>
-            <a:r>
-              <a:rPr lang="de-DE" dirty="0"/>
-              <a:t> </a:t>
-            </a:r>
-            <a:r>
-              <a:rPr lang="de-DE" dirty="0" err="1"/>
-              <a:t>Advanced</a:t>
-            </a:r>
-            <a:r>
-              <a:rPr lang="de-DE" dirty="0"/>
-              <a:t> Seminar</a:t>
-            </a:r>
-            <a:endParaRPr lang="en-US" dirty="0"/>
-          </a:p>
-        </p:txBody>
-      </p:sp>
-      <p:sp>
-        <p:nvSpPr>
           <p:cNvPr id="2" name="Textplatzhalter 1"/>
           <p:cNvSpPr>
             <a:spLocks noGrp="1"/>
@@ -11282,6 +12549,199 @@
               <a:t>Tabelle – Beispiel 2</a:t>
             </a:r>
             <a:endParaRPr lang="de-DE" dirty="0"/>
+          </a:p>
+        </p:txBody>
+      </p:sp>
+      <p:sp>
+        <p:nvSpPr>
+          <p:cNvPr id="8" name="Fußzeilenplatzhalter 3">
+            <a:extLst>
+              <a:ext uri="{FF2B5EF4-FFF2-40B4-BE49-F238E27FC236}">
+                <a16:creationId xmlns:a16="http://schemas.microsoft.com/office/drawing/2014/main" id="{F44847D6-D473-4782-8068-E7CC46586B94}"/>
+              </a:ext>
+            </a:extLst>
+          </p:cNvPr>
+          <p:cNvSpPr>
+            <a:spLocks noGrp="1"/>
+          </p:cNvSpPr>
+          <p:nvPr>
+            <p:ph type="ftr" sz="quarter" idx="12"/>
+          </p:nvPr>
+        </p:nvSpPr>
+        <p:spPr>
+          <a:xfrm>
+            <a:off x="311163" y="6473313"/>
+            <a:ext cx="1430552" cy="365125"/>
+          </a:xfrm>
+        </p:spPr>
+        <p:txBody>
+          <a:bodyPr/>
+          <a:lstStyle/>
+          <a:p>
+            <a:r>
+              <a:rPr lang="de-DE" dirty="0"/>
+              <a:t>Hannes Bohnengel</a:t>
+            </a:r>
+            <a:endParaRPr lang="en-US" dirty="0"/>
+          </a:p>
+        </p:txBody>
+      </p:sp>
+      <p:sp>
+        <p:nvSpPr>
+          <p:cNvPr id="9" name="Fußzeilenplatzhalter 3">
+            <a:extLst>
+              <a:ext uri="{FF2B5EF4-FFF2-40B4-BE49-F238E27FC236}">
+                <a16:creationId xmlns:a16="http://schemas.microsoft.com/office/drawing/2014/main" id="{D7850ECB-04F0-4F00-A13E-6D7BE4989D5A}"/>
+              </a:ext>
+            </a:extLst>
+          </p:cNvPr>
+          <p:cNvSpPr txBox="1">
+            <a:spLocks/>
+          </p:cNvSpPr>
+          <p:nvPr/>
+        </p:nvSpPr>
+        <p:spPr>
+          <a:xfrm>
+            <a:off x="3062514" y="6473312"/>
+            <a:ext cx="3022146" cy="365125"/>
+          </a:xfrm>
+          <a:prstGeom prst="rect">
+            <a:avLst/>
+          </a:prstGeom>
+        </p:spPr>
+        <p:txBody>
+          <a:bodyPr vert="horz" lIns="0" tIns="45720" rIns="0" bIns="45720" rtlCol="0" anchor="ctr"/>
+          <a:lstStyle>
+            <a:defPPr>
+              <a:defRPr lang="de-DE"/>
+            </a:defPPr>
+            <a:lvl1pPr algn="l" rtl="0" fontAlgn="base">
+              <a:spcBef>
+                <a:spcPct val="0"/>
+              </a:spcBef>
+              <a:spcAft>
+                <a:spcPct val="0"/>
+              </a:spcAft>
+              <a:defRPr sz="1200" kern="1200">
+                <a:solidFill>
+                  <a:schemeClr val="tx1"/>
+                </a:solidFill>
+                <a:latin typeface="Arial" charset="0"/>
+                <a:ea typeface="+mn-ea"/>
+                <a:cs typeface="Arial" charset="0"/>
+              </a:defRPr>
+            </a:lvl1pPr>
+            <a:lvl2pPr marL="457200" algn="l" rtl="0" fontAlgn="base">
+              <a:spcBef>
+                <a:spcPct val="0"/>
+              </a:spcBef>
+              <a:spcAft>
+                <a:spcPct val="0"/>
+              </a:spcAft>
+              <a:defRPr kern="1200">
+                <a:solidFill>
+                  <a:schemeClr val="tx1"/>
+                </a:solidFill>
+                <a:latin typeface="Arial" charset="0"/>
+                <a:ea typeface="+mn-ea"/>
+                <a:cs typeface="Arial" charset="0"/>
+              </a:defRPr>
+            </a:lvl2pPr>
+            <a:lvl3pPr marL="914400" algn="l" rtl="0" fontAlgn="base">
+              <a:spcBef>
+                <a:spcPct val="0"/>
+              </a:spcBef>
+              <a:spcAft>
+                <a:spcPct val="0"/>
+              </a:spcAft>
+              <a:defRPr kern="1200">
+                <a:solidFill>
+                  <a:schemeClr val="tx1"/>
+                </a:solidFill>
+                <a:latin typeface="Arial" charset="0"/>
+                <a:ea typeface="+mn-ea"/>
+                <a:cs typeface="Arial" charset="0"/>
+              </a:defRPr>
+            </a:lvl3pPr>
+            <a:lvl4pPr marL="1371600" algn="l" rtl="0" fontAlgn="base">
+              <a:spcBef>
+                <a:spcPct val="0"/>
+              </a:spcBef>
+              <a:spcAft>
+                <a:spcPct val="0"/>
+              </a:spcAft>
+              <a:defRPr kern="1200">
+                <a:solidFill>
+                  <a:schemeClr val="tx1"/>
+                </a:solidFill>
+                <a:latin typeface="Arial" charset="0"/>
+                <a:ea typeface="+mn-ea"/>
+                <a:cs typeface="Arial" charset="0"/>
+              </a:defRPr>
+            </a:lvl4pPr>
+            <a:lvl5pPr marL="1828800" algn="l" rtl="0" fontAlgn="base">
+              <a:spcBef>
+                <a:spcPct val="0"/>
+              </a:spcBef>
+              <a:spcAft>
+                <a:spcPct val="0"/>
+              </a:spcAft>
+              <a:defRPr kern="1200">
+                <a:solidFill>
+                  <a:schemeClr val="tx1"/>
+                </a:solidFill>
+                <a:latin typeface="Arial" charset="0"/>
+                <a:ea typeface="+mn-ea"/>
+                <a:cs typeface="Arial" charset="0"/>
+              </a:defRPr>
+            </a:lvl5pPr>
+            <a:lvl6pPr marL="2286000" algn="l" defTabSz="914400" rtl="0" eaLnBrk="1" latinLnBrk="0" hangingPunct="1">
+              <a:defRPr kern="1200">
+                <a:solidFill>
+                  <a:schemeClr val="tx1"/>
+                </a:solidFill>
+                <a:latin typeface="Arial" charset="0"/>
+                <a:ea typeface="+mn-ea"/>
+                <a:cs typeface="Arial" charset="0"/>
+              </a:defRPr>
+            </a:lvl6pPr>
+            <a:lvl7pPr marL="2743200" algn="l" defTabSz="914400" rtl="0" eaLnBrk="1" latinLnBrk="0" hangingPunct="1">
+              <a:defRPr kern="1200">
+                <a:solidFill>
+                  <a:schemeClr val="tx1"/>
+                </a:solidFill>
+                <a:latin typeface="Arial" charset="0"/>
+                <a:ea typeface="+mn-ea"/>
+                <a:cs typeface="Arial" charset="0"/>
+              </a:defRPr>
+            </a:lvl7pPr>
+            <a:lvl8pPr marL="3200400" algn="l" defTabSz="914400" rtl="0" eaLnBrk="1" latinLnBrk="0" hangingPunct="1">
+              <a:defRPr kern="1200">
+                <a:solidFill>
+                  <a:schemeClr val="tx1"/>
+                </a:solidFill>
+                <a:latin typeface="Arial" charset="0"/>
+                <a:ea typeface="+mn-ea"/>
+                <a:cs typeface="Arial" charset="0"/>
+              </a:defRPr>
+            </a:lvl8pPr>
+            <a:lvl9pPr marL="3657600" algn="l" defTabSz="914400" rtl="0" eaLnBrk="1" latinLnBrk="0" hangingPunct="1">
+              <a:defRPr kern="1200">
+                <a:solidFill>
+                  <a:schemeClr val="tx1"/>
+                </a:solidFill>
+                <a:latin typeface="Arial" charset="0"/>
+                <a:ea typeface="+mn-ea"/>
+                <a:cs typeface="Arial" charset="0"/>
+              </a:defRPr>
+            </a:lvl9pPr>
+          </a:lstStyle>
+          <a:p>
+            <a:pPr algn="ctr"/>
+            <a:r>
+              <a:rPr lang="en-US" dirty="0"/>
+              <a:t>Final Presentation of Advanced Seminar</a:t>
+            </a:r>
           </a:p>
         </p:txBody>
       </p:sp>
@@ -11336,53 +12796,6 @@
       </p:sp>
       <p:sp>
         <p:nvSpPr>
-          <p:cNvPr id="9" name="Fußzeilenplatzhalter 4"/>
-          <p:cNvSpPr>
-            <a:spLocks noGrp="1"/>
-          </p:cNvSpPr>
-          <p:nvPr>
-            <p:ph type="ftr" sz="quarter" idx="12"/>
-          </p:nvPr>
-        </p:nvSpPr>
-        <p:spPr/>
-        <p:txBody>
-          <a:bodyPr/>
-          <a:lstStyle/>
-          <a:p>
-            <a:r>
-              <a:rPr lang="de-DE" dirty="0"/>
-              <a:t>Hannes Bohnengel | Final </a:t>
-            </a:r>
-            <a:r>
-              <a:rPr lang="de-DE" dirty="0" err="1"/>
-              <a:t>Presentation</a:t>
-            </a:r>
-            <a:r>
-              <a:rPr lang="de-DE" dirty="0"/>
-              <a:t> </a:t>
-            </a:r>
-            <a:r>
-              <a:rPr lang="de-DE" dirty="0" err="1"/>
-              <a:t>of</a:t>
-            </a:r>
-            <a:r>
-              <a:rPr lang="de-DE" dirty="0"/>
-              <a:t> </a:t>
-            </a:r>
-            <a:r>
-              <a:rPr lang="de-DE" dirty="0" err="1"/>
-              <a:t>Advanced</a:t>
-            </a:r>
-            <a:r>
-              <a:rPr lang="de-DE" dirty="0"/>
-              <a:t> Seminar</a:t>
-            </a:r>
-            <a:endParaRPr lang="en-US" dirty="0"/>
-          </a:p>
-        </p:txBody>
-      </p:sp>
-      <p:sp>
-        <p:nvSpPr>
           <p:cNvPr id="3" name="Textplatzhalter 2"/>
           <p:cNvSpPr>
             <a:spLocks noGrp="1"/>
@@ -11451,6 +12864,199 @@
           </a:graphicData>
         </a:graphic>
       </p:graphicFrame>
+      <p:sp>
+        <p:nvSpPr>
+          <p:cNvPr id="7" name="Fußzeilenplatzhalter 3">
+            <a:extLst>
+              <a:ext uri="{FF2B5EF4-FFF2-40B4-BE49-F238E27FC236}">
+                <a16:creationId xmlns:a16="http://schemas.microsoft.com/office/drawing/2014/main" id="{0D93E4A3-F30C-443F-96A6-1595D8C4788B}"/>
+              </a:ext>
+            </a:extLst>
+          </p:cNvPr>
+          <p:cNvSpPr>
+            <a:spLocks noGrp="1"/>
+          </p:cNvSpPr>
+          <p:nvPr>
+            <p:ph type="ftr" sz="quarter" idx="12"/>
+          </p:nvPr>
+        </p:nvSpPr>
+        <p:spPr>
+          <a:xfrm>
+            <a:off x="311163" y="6473313"/>
+            <a:ext cx="1430552" cy="365125"/>
+          </a:xfrm>
+        </p:spPr>
+        <p:txBody>
+          <a:bodyPr/>
+          <a:lstStyle/>
+          <a:p>
+            <a:r>
+              <a:rPr lang="de-DE" dirty="0"/>
+              <a:t>Hannes Bohnengel</a:t>
+            </a:r>
+            <a:endParaRPr lang="en-US" dirty="0"/>
+          </a:p>
+        </p:txBody>
+      </p:sp>
+      <p:sp>
+        <p:nvSpPr>
+          <p:cNvPr id="8" name="Fußzeilenplatzhalter 3">
+            <a:extLst>
+              <a:ext uri="{FF2B5EF4-FFF2-40B4-BE49-F238E27FC236}">
+                <a16:creationId xmlns:a16="http://schemas.microsoft.com/office/drawing/2014/main" id="{30671E81-DDD6-4024-873B-D6815D04AA6F}"/>
+              </a:ext>
+            </a:extLst>
+          </p:cNvPr>
+          <p:cNvSpPr txBox="1">
+            <a:spLocks/>
+          </p:cNvSpPr>
+          <p:nvPr/>
+        </p:nvSpPr>
+        <p:spPr>
+          <a:xfrm>
+            <a:off x="3062514" y="6473312"/>
+            <a:ext cx="3022146" cy="365125"/>
+          </a:xfrm>
+          <a:prstGeom prst="rect">
+            <a:avLst/>
+          </a:prstGeom>
+        </p:spPr>
+        <p:txBody>
+          <a:bodyPr vert="horz" lIns="0" tIns="45720" rIns="0" bIns="45720" rtlCol="0" anchor="ctr"/>
+          <a:lstStyle>
+            <a:defPPr>
+              <a:defRPr lang="de-DE"/>
+            </a:defPPr>
+            <a:lvl1pPr algn="l" rtl="0" fontAlgn="base">
+              <a:spcBef>
+                <a:spcPct val="0"/>
+              </a:spcBef>
+              <a:spcAft>
+                <a:spcPct val="0"/>
+              </a:spcAft>
+              <a:defRPr sz="1200" kern="1200">
+                <a:solidFill>
+                  <a:schemeClr val="tx1"/>
+                </a:solidFill>
+                <a:latin typeface="Arial" charset="0"/>
+                <a:ea typeface="+mn-ea"/>
+                <a:cs typeface="Arial" charset="0"/>
+              </a:defRPr>
+            </a:lvl1pPr>
+            <a:lvl2pPr marL="457200" algn="l" rtl="0" fontAlgn="base">
+              <a:spcBef>
+                <a:spcPct val="0"/>
+              </a:spcBef>
+              <a:spcAft>
+                <a:spcPct val="0"/>
+              </a:spcAft>
+              <a:defRPr kern="1200">
+                <a:solidFill>
+                  <a:schemeClr val="tx1"/>
+                </a:solidFill>
+                <a:latin typeface="Arial" charset="0"/>
+                <a:ea typeface="+mn-ea"/>
+                <a:cs typeface="Arial" charset="0"/>
+              </a:defRPr>
+            </a:lvl2pPr>
+            <a:lvl3pPr marL="914400" algn="l" rtl="0" fontAlgn="base">
+              <a:spcBef>
+                <a:spcPct val="0"/>
+              </a:spcBef>
+              <a:spcAft>
+                <a:spcPct val="0"/>
+              </a:spcAft>
+              <a:defRPr kern="1200">
+                <a:solidFill>
+                  <a:schemeClr val="tx1"/>
+                </a:solidFill>
+                <a:latin typeface="Arial" charset="0"/>
+                <a:ea typeface="+mn-ea"/>
+                <a:cs typeface="Arial" charset="0"/>
+              </a:defRPr>
+            </a:lvl3pPr>
+            <a:lvl4pPr marL="1371600" algn="l" rtl="0" fontAlgn="base">
+              <a:spcBef>
+                <a:spcPct val="0"/>
+              </a:spcBef>
+              <a:spcAft>
+                <a:spcPct val="0"/>
+              </a:spcAft>
+              <a:defRPr kern="1200">
+                <a:solidFill>
+                  <a:schemeClr val="tx1"/>
+                </a:solidFill>
+                <a:latin typeface="Arial" charset="0"/>
+                <a:ea typeface="+mn-ea"/>
+                <a:cs typeface="Arial" charset="0"/>
+              </a:defRPr>
+            </a:lvl4pPr>
+            <a:lvl5pPr marL="1828800" algn="l" rtl="0" fontAlgn="base">
+              <a:spcBef>
+                <a:spcPct val="0"/>
+              </a:spcBef>
+              <a:spcAft>
+                <a:spcPct val="0"/>
+              </a:spcAft>
+              <a:defRPr kern="1200">
+                <a:solidFill>
+                  <a:schemeClr val="tx1"/>
+                </a:solidFill>
+                <a:latin typeface="Arial" charset="0"/>
+                <a:ea typeface="+mn-ea"/>
+                <a:cs typeface="Arial" charset="0"/>
+              </a:defRPr>
+            </a:lvl5pPr>
+            <a:lvl6pPr marL="2286000" algn="l" defTabSz="914400" rtl="0" eaLnBrk="1" latinLnBrk="0" hangingPunct="1">
+              <a:defRPr kern="1200">
+                <a:solidFill>
+                  <a:schemeClr val="tx1"/>
+                </a:solidFill>
+                <a:latin typeface="Arial" charset="0"/>
+                <a:ea typeface="+mn-ea"/>
+                <a:cs typeface="Arial" charset="0"/>
+              </a:defRPr>
+            </a:lvl6pPr>
+            <a:lvl7pPr marL="2743200" algn="l" defTabSz="914400" rtl="0" eaLnBrk="1" latinLnBrk="0" hangingPunct="1">
+              <a:defRPr kern="1200">
+                <a:solidFill>
+                  <a:schemeClr val="tx1"/>
+                </a:solidFill>
+                <a:latin typeface="Arial" charset="0"/>
+                <a:ea typeface="+mn-ea"/>
+                <a:cs typeface="Arial" charset="0"/>
+              </a:defRPr>
+            </a:lvl7pPr>
+            <a:lvl8pPr marL="3200400" algn="l" defTabSz="914400" rtl="0" eaLnBrk="1" latinLnBrk="0" hangingPunct="1">
+              <a:defRPr kern="1200">
+                <a:solidFill>
+                  <a:schemeClr val="tx1"/>
+                </a:solidFill>
+                <a:latin typeface="Arial" charset="0"/>
+                <a:ea typeface="+mn-ea"/>
+                <a:cs typeface="Arial" charset="0"/>
+              </a:defRPr>
+            </a:lvl8pPr>
+            <a:lvl9pPr marL="3657600" algn="l" defTabSz="914400" rtl="0" eaLnBrk="1" latinLnBrk="0" hangingPunct="1">
+              <a:defRPr kern="1200">
+                <a:solidFill>
+                  <a:schemeClr val="tx1"/>
+                </a:solidFill>
+                <a:latin typeface="Arial" charset="0"/>
+                <a:ea typeface="+mn-ea"/>
+                <a:cs typeface="Arial" charset="0"/>
+              </a:defRPr>
+            </a:lvl9pPr>
+          </a:lstStyle>
+          <a:p>
+            <a:pPr algn="ctr"/>
+            <a:r>
+              <a:rPr lang="en-US" dirty="0"/>
+              <a:t>Final Presentation of Advanced Seminar</a:t>
+            </a:r>
+          </a:p>
+        </p:txBody>
+      </p:sp>
     </p:spTree>
   </p:cSld>
   <p:clrMapOvr>
@@ -11527,53 +13133,6 @@
       </p:sp>
       <p:sp>
         <p:nvSpPr>
-          <p:cNvPr id="7" name="Fußzeilenplatzhalter 4"/>
-          <p:cNvSpPr>
-            <a:spLocks noGrp="1"/>
-          </p:cNvSpPr>
-          <p:nvPr>
-            <p:ph type="ftr" sz="quarter" idx="12"/>
-          </p:nvPr>
-        </p:nvSpPr>
-        <p:spPr/>
-        <p:txBody>
-          <a:bodyPr/>
-          <a:lstStyle/>
-          <a:p>
-            <a:r>
-              <a:rPr lang="de-DE" dirty="0"/>
-              <a:t>Hannes Bohnengel | Final </a:t>
-            </a:r>
-            <a:r>
-              <a:rPr lang="de-DE" dirty="0" err="1"/>
-              <a:t>Presentation</a:t>
-            </a:r>
-            <a:r>
-              <a:rPr lang="de-DE" dirty="0"/>
-              <a:t> </a:t>
-            </a:r>
-            <a:r>
-              <a:rPr lang="de-DE" dirty="0" err="1"/>
-              <a:t>of</a:t>
-            </a:r>
-            <a:r>
-              <a:rPr lang="de-DE" dirty="0"/>
-              <a:t> </a:t>
-            </a:r>
-            <a:r>
-              <a:rPr lang="de-DE" dirty="0" err="1"/>
-              <a:t>Advanced</a:t>
-            </a:r>
-            <a:r>
-              <a:rPr lang="de-DE" dirty="0"/>
-              <a:t> Seminar</a:t>
-            </a:r>
-            <a:endParaRPr lang="en-US" dirty="0"/>
-          </a:p>
-        </p:txBody>
-      </p:sp>
-      <p:sp>
-        <p:nvSpPr>
           <p:cNvPr id="3" name="Titel 2"/>
           <p:cNvSpPr>
             <a:spLocks noGrp="1"/>
@@ -11592,6 +13151,199 @@
               <a:t>Diagramme</a:t>
             </a:r>
             <a:endParaRPr lang="de-DE" dirty="0"/>
+          </a:p>
+        </p:txBody>
+      </p:sp>
+      <p:sp>
+        <p:nvSpPr>
+          <p:cNvPr id="8" name="Fußzeilenplatzhalter 3">
+            <a:extLst>
+              <a:ext uri="{FF2B5EF4-FFF2-40B4-BE49-F238E27FC236}">
+                <a16:creationId xmlns:a16="http://schemas.microsoft.com/office/drawing/2014/main" id="{DEC952E2-2D63-4299-AC21-BE6E6BCB9286}"/>
+              </a:ext>
+            </a:extLst>
+          </p:cNvPr>
+          <p:cNvSpPr>
+            <a:spLocks noGrp="1"/>
+          </p:cNvSpPr>
+          <p:nvPr>
+            <p:ph type="ftr" sz="quarter" idx="12"/>
+          </p:nvPr>
+        </p:nvSpPr>
+        <p:spPr>
+          <a:xfrm>
+            <a:off x="311163" y="6473313"/>
+            <a:ext cx="1430552" cy="365125"/>
+          </a:xfrm>
+        </p:spPr>
+        <p:txBody>
+          <a:bodyPr/>
+          <a:lstStyle/>
+          <a:p>
+            <a:r>
+              <a:rPr lang="de-DE" dirty="0"/>
+              <a:t>Hannes Bohnengel</a:t>
+            </a:r>
+            <a:endParaRPr lang="en-US" dirty="0"/>
+          </a:p>
+        </p:txBody>
+      </p:sp>
+      <p:sp>
+        <p:nvSpPr>
+          <p:cNvPr id="9" name="Fußzeilenplatzhalter 3">
+            <a:extLst>
+              <a:ext uri="{FF2B5EF4-FFF2-40B4-BE49-F238E27FC236}">
+                <a16:creationId xmlns:a16="http://schemas.microsoft.com/office/drawing/2014/main" id="{16FA2C21-85E5-42BD-A13D-9DF76DF47B58}"/>
+              </a:ext>
+            </a:extLst>
+          </p:cNvPr>
+          <p:cNvSpPr txBox="1">
+            <a:spLocks/>
+          </p:cNvSpPr>
+          <p:nvPr/>
+        </p:nvSpPr>
+        <p:spPr>
+          <a:xfrm>
+            <a:off x="3062514" y="6473312"/>
+            <a:ext cx="3022146" cy="365125"/>
+          </a:xfrm>
+          <a:prstGeom prst="rect">
+            <a:avLst/>
+          </a:prstGeom>
+        </p:spPr>
+        <p:txBody>
+          <a:bodyPr vert="horz" lIns="0" tIns="45720" rIns="0" bIns="45720" rtlCol="0" anchor="ctr"/>
+          <a:lstStyle>
+            <a:defPPr>
+              <a:defRPr lang="de-DE"/>
+            </a:defPPr>
+            <a:lvl1pPr algn="l" rtl="0" fontAlgn="base">
+              <a:spcBef>
+                <a:spcPct val="0"/>
+              </a:spcBef>
+              <a:spcAft>
+                <a:spcPct val="0"/>
+              </a:spcAft>
+              <a:defRPr sz="1200" kern="1200">
+                <a:solidFill>
+                  <a:schemeClr val="tx1"/>
+                </a:solidFill>
+                <a:latin typeface="Arial" charset="0"/>
+                <a:ea typeface="+mn-ea"/>
+                <a:cs typeface="Arial" charset="0"/>
+              </a:defRPr>
+            </a:lvl1pPr>
+            <a:lvl2pPr marL="457200" algn="l" rtl="0" fontAlgn="base">
+              <a:spcBef>
+                <a:spcPct val="0"/>
+              </a:spcBef>
+              <a:spcAft>
+                <a:spcPct val="0"/>
+              </a:spcAft>
+              <a:defRPr kern="1200">
+                <a:solidFill>
+                  <a:schemeClr val="tx1"/>
+                </a:solidFill>
+                <a:latin typeface="Arial" charset="0"/>
+                <a:ea typeface="+mn-ea"/>
+                <a:cs typeface="Arial" charset="0"/>
+              </a:defRPr>
+            </a:lvl2pPr>
+            <a:lvl3pPr marL="914400" algn="l" rtl="0" fontAlgn="base">
+              <a:spcBef>
+                <a:spcPct val="0"/>
+              </a:spcBef>
+              <a:spcAft>
+                <a:spcPct val="0"/>
+              </a:spcAft>
+              <a:defRPr kern="1200">
+                <a:solidFill>
+                  <a:schemeClr val="tx1"/>
+                </a:solidFill>
+                <a:latin typeface="Arial" charset="0"/>
+                <a:ea typeface="+mn-ea"/>
+                <a:cs typeface="Arial" charset="0"/>
+              </a:defRPr>
+            </a:lvl3pPr>
+            <a:lvl4pPr marL="1371600" algn="l" rtl="0" fontAlgn="base">
+              <a:spcBef>
+                <a:spcPct val="0"/>
+              </a:spcBef>
+              <a:spcAft>
+                <a:spcPct val="0"/>
+              </a:spcAft>
+              <a:defRPr kern="1200">
+                <a:solidFill>
+                  <a:schemeClr val="tx1"/>
+                </a:solidFill>
+                <a:latin typeface="Arial" charset="0"/>
+                <a:ea typeface="+mn-ea"/>
+                <a:cs typeface="Arial" charset="0"/>
+              </a:defRPr>
+            </a:lvl4pPr>
+            <a:lvl5pPr marL="1828800" algn="l" rtl="0" fontAlgn="base">
+              <a:spcBef>
+                <a:spcPct val="0"/>
+              </a:spcBef>
+              <a:spcAft>
+                <a:spcPct val="0"/>
+              </a:spcAft>
+              <a:defRPr kern="1200">
+                <a:solidFill>
+                  <a:schemeClr val="tx1"/>
+                </a:solidFill>
+                <a:latin typeface="Arial" charset="0"/>
+                <a:ea typeface="+mn-ea"/>
+                <a:cs typeface="Arial" charset="0"/>
+              </a:defRPr>
+            </a:lvl5pPr>
+            <a:lvl6pPr marL="2286000" algn="l" defTabSz="914400" rtl="0" eaLnBrk="1" latinLnBrk="0" hangingPunct="1">
+              <a:defRPr kern="1200">
+                <a:solidFill>
+                  <a:schemeClr val="tx1"/>
+                </a:solidFill>
+                <a:latin typeface="Arial" charset="0"/>
+                <a:ea typeface="+mn-ea"/>
+                <a:cs typeface="Arial" charset="0"/>
+              </a:defRPr>
+            </a:lvl6pPr>
+            <a:lvl7pPr marL="2743200" algn="l" defTabSz="914400" rtl="0" eaLnBrk="1" latinLnBrk="0" hangingPunct="1">
+              <a:defRPr kern="1200">
+                <a:solidFill>
+                  <a:schemeClr val="tx1"/>
+                </a:solidFill>
+                <a:latin typeface="Arial" charset="0"/>
+                <a:ea typeface="+mn-ea"/>
+                <a:cs typeface="Arial" charset="0"/>
+              </a:defRPr>
+            </a:lvl7pPr>
+            <a:lvl8pPr marL="3200400" algn="l" defTabSz="914400" rtl="0" eaLnBrk="1" latinLnBrk="0" hangingPunct="1">
+              <a:defRPr kern="1200">
+                <a:solidFill>
+                  <a:schemeClr val="tx1"/>
+                </a:solidFill>
+                <a:latin typeface="Arial" charset="0"/>
+                <a:ea typeface="+mn-ea"/>
+                <a:cs typeface="Arial" charset="0"/>
+              </a:defRPr>
+            </a:lvl8pPr>
+            <a:lvl9pPr marL="3657600" algn="l" defTabSz="914400" rtl="0" eaLnBrk="1" latinLnBrk="0" hangingPunct="1">
+              <a:defRPr kern="1200">
+                <a:solidFill>
+                  <a:schemeClr val="tx1"/>
+                </a:solidFill>
+                <a:latin typeface="Arial" charset="0"/>
+                <a:ea typeface="+mn-ea"/>
+                <a:cs typeface="Arial" charset="0"/>
+              </a:defRPr>
+            </a:lvl9pPr>
+          </a:lstStyle>
+          <a:p>
+            <a:pPr algn="ctr"/>
+            <a:r>
+              <a:rPr lang="en-US" dirty="0"/>
+              <a:t>Final Presentation of Advanced Seminar</a:t>
+            </a:r>
           </a:p>
         </p:txBody>
       </p:sp>
